--- a/kedro/images/kedro-install-v01.pptx
+++ b/kedro/images/kedro-install-v01.pptx
@@ -107,6 +107,11 @@
       </a:defRPr>
     </a:lvl9pPr>
   </p:defaultTextStyle>
+  <p:extLst>
+    <p:ext uri="{EFAFB233-063F-42B5-8137-9DF3F51BA10A}">
+      <p15:sldGuideLst xmlns:p15="http://schemas.microsoft.com/office/powerpoint/2012/main"/>
+    </p:ext>
+  </p:extLst>
 </p:presentation>
 </file>
 
@@ -192,7 +197,7 @@
           <a:p>
             <a:fld id="{331DAA7B-1661-5A4C-8DA8-D6DA519D2931}" type="datetimeFigureOut">
               <a:rPr lang="en-US" smtClean="0"/>
-              <a:t>9/1/19</a:t>
+              <a:t>9/3/19</a:t>
             </a:fld>
             <a:endParaRPr lang="en-US"/>
           </a:p>
@@ -1033,7 +1038,7 @@
           <a:p>
             <a:fld id="{C694E442-AD53-564C-B976-2AF696E47AE3}" type="datetimeFigureOut">
               <a:rPr lang="en-US" smtClean="0"/>
-              <a:t>9/1/19</a:t>
+              <a:t>9/3/19</a:t>
             </a:fld>
             <a:endParaRPr lang="en-US"/>
           </a:p>
@@ -1231,7 +1236,7 @@
           <a:p>
             <a:fld id="{C694E442-AD53-564C-B976-2AF696E47AE3}" type="datetimeFigureOut">
               <a:rPr lang="en-US" smtClean="0"/>
-              <a:t>9/1/19</a:t>
+              <a:t>9/3/19</a:t>
             </a:fld>
             <a:endParaRPr lang="en-US"/>
           </a:p>
@@ -1439,7 +1444,7 @@
           <a:p>
             <a:fld id="{C694E442-AD53-564C-B976-2AF696E47AE3}" type="datetimeFigureOut">
               <a:rPr lang="en-US" smtClean="0"/>
-              <a:t>9/1/19</a:t>
+              <a:t>9/3/19</a:t>
             </a:fld>
             <a:endParaRPr lang="en-US"/>
           </a:p>
@@ -1637,7 +1642,7 @@
           <a:p>
             <a:fld id="{C694E442-AD53-564C-B976-2AF696E47AE3}" type="datetimeFigureOut">
               <a:rPr lang="en-US" smtClean="0"/>
-              <a:t>9/1/19</a:t>
+              <a:t>9/3/19</a:t>
             </a:fld>
             <a:endParaRPr lang="en-US"/>
           </a:p>
@@ -1912,7 +1917,7 @@
           <a:p>
             <a:fld id="{C694E442-AD53-564C-B976-2AF696E47AE3}" type="datetimeFigureOut">
               <a:rPr lang="en-US" smtClean="0"/>
-              <a:t>9/1/19</a:t>
+              <a:t>9/3/19</a:t>
             </a:fld>
             <a:endParaRPr lang="en-US"/>
           </a:p>
@@ -2177,7 +2182,7 @@
           <a:p>
             <a:fld id="{C694E442-AD53-564C-B976-2AF696E47AE3}" type="datetimeFigureOut">
               <a:rPr lang="en-US" smtClean="0"/>
-              <a:t>9/1/19</a:t>
+              <a:t>9/3/19</a:t>
             </a:fld>
             <a:endParaRPr lang="en-US"/>
           </a:p>
@@ -2589,7 +2594,7 @@
           <a:p>
             <a:fld id="{C694E442-AD53-564C-B976-2AF696E47AE3}" type="datetimeFigureOut">
               <a:rPr lang="en-US" smtClean="0"/>
-              <a:t>9/1/19</a:t>
+              <a:t>9/3/19</a:t>
             </a:fld>
             <a:endParaRPr lang="en-US"/>
           </a:p>
@@ -2730,7 +2735,7 @@
           <a:p>
             <a:fld id="{C694E442-AD53-564C-B976-2AF696E47AE3}" type="datetimeFigureOut">
               <a:rPr lang="en-US" smtClean="0"/>
-              <a:t>9/1/19</a:t>
+              <a:t>9/3/19</a:t>
             </a:fld>
             <a:endParaRPr lang="en-US"/>
           </a:p>
@@ -2843,7 +2848,7 @@
           <a:p>
             <a:fld id="{C694E442-AD53-564C-B976-2AF696E47AE3}" type="datetimeFigureOut">
               <a:rPr lang="en-US" smtClean="0"/>
-              <a:t>9/1/19</a:t>
+              <a:t>9/3/19</a:t>
             </a:fld>
             <a:endParaRPr lang="en-US"/>
           </a:p>
@@ -3154,7 +3159,7 @@
           <a:p>
             <a:fld id="{C694E442-AD53-564C-B976-2AF696E47AE3}" type="datetimeFigureOut">
               <a:rPr lang="en-US" smtClean="0"/>
-              <a:t>9/1/19</a:t>
+              <a:t>9/3/19</a:t>
             </a:fld>
             <a:endParaRPr lang="en-US"/>
           </a:p>
@@ -3442,7 +3447,7 @@
           <a:p>
             <a:fld id="{C694E442-AD53-564C-B976-2AF696E47AE3}" type="datetimeFigureOut">
               <a:rPr lang="en-US" smtClean="0"/>
-              <a:t>9/1/19</a:t>
+              <a:t>9/3/19</a:t>
             </a:fld>
             <a:endParaRPr lang="en-US"/>
           </a:p>
@@ -3683,7 +3688,7 @@
           <a:p>
             <a:fld id="{C694E442-AD53-564C-B976-2AF696E47AE3}" type="datetimeFigureOut">
               <a:rPr lang="en-US" smtClean="0"/>
-              <a:t>9/1/19</a:t>
+              <a:t>9/3/19</a:t>
             </a:fld>
             <a:endParaRPr lang="en-US"/>
           </a:p>
@@ -4765,8 +4770,8 @@
         </p:nvSpPr>
         <p:spPr>
           <a:xfrm rot="16200000">
-            <a:off x="3581650" y="2230805"/>
-            <a:ext cx="1188723" cy="369332"/>
+            <a:off x="2042933" y="3327201"/>
+            <a:ext cx="3581306" cy="369332"/>
           </a:xfrm>
           <a:prstGeom prst="rect">
             <a:avLst/>
@@ -4774,7 +4779,7 @@
           <a:noFill/>
         </p:spPr>
         <p:txBody>
-          <a:bodyPr wrap="none" rtlCol="0">
+          <a:bodyPr wrap="square" rtlCol="0">
             <a:spAutoFit/>
           </a:bodyPr>
           <a:lstStyle/>
@@ -4782,11 +4787,30 @@
             <a:r>
               <a:rPr lang="en-US" dirty="0">
                 <a:solidFill>
-                  <a:schemeClr val="bg1"/>
+                  <a:schemeClr val="bg1">
+                    <a:lumMod val="50000"/>
+                  </a:schemeClr>
                 </a:solidFill>
               </a:rPr>
-              <a:t>shell script</a:t>
-            </a:r>
+              <a:t>shell script: kedro-sample-</a:t>
+            </a:r>
+            <a:r>
+              <a:rPr lang="en-US" dirty="0" err="1">
+                <a:solidFill>
+                  <a:schemeClr val="bg1">
+                    <a:lumMod val="50000"/>
+                  </a:schemeClr>
+                </a:solidFill>
+              </a:rPr>
+              <a:t>setup.sh</a:t>
+            </a:r>
+            <a:endParaRPr lang="en-US" dirty="0">
+              <a:solidFill>
+                <a:schemeClr val="bg1">
+                  <a:lumMod val="50000"/>
+                </a:schemeClr>
+              </a:solidFill>
+            </a:endParaRPr>
           </a:p>
         </p:txBody>
       </p:sp>
@@ -6272,18 +6296,17 @@
           <p:cNvCxnSpPr>
             <a:cxnSpLocks/>
             <a:stCxn id="44" idx="3"/>
+            <a:endCxn id="267" idx="2"/>
           </p:cNvCxnSpPr>
           <p:nvPr/>
         </p:nvCxnSpPr>
         <p:spPr>
           <a:xfrm flipV="1">
-            <a:off x="6472565" y="5340962"/>
-            <a:ext cx="2822141" cy="393892"/>
+            <a:off x="6472565" y="5341506"/>
+            <a:ext cx="2852816" cy="393348"/>
           </a:xfrm>
-          <a:prstGeom prst="bentConnector3">
-            <a:avLst>
-              <a:gd name="adj1" fmla="val 100056"/>
-            </a:avLst>
+          <a:prstGeom prst="bentConnector2">
+            <a:avLst/>
           </a:prstGeom>
           <a:ln>
             <a:tailEnd type="triangle"/>
@@ -6754,7 +6777,7 @@
         </p:nvSpPr>
         <p:spPr>
           <a:xfrm>
-            <a:off x="9016141" y="5048273"/>
+            <a:off x="7802495" y="5048273"/>
             <a:ext cx="1023037" cy="338554"/>
           </a:xfrm>
           <a:prstGeom prst="rect">
@@ -6796,7 +6819,7 @@
         <p:spPr>
           <a:xfrm>
             <a:off x="3654075" y="1054601"/>
-            <a:ext cx="320114" cy="979488"/>
+            <a:ext cx="345607" cy="867325"/>
           </a:xfrm>
           <a:prstGeom prst="straightConnector1">
             <a:avLst/>
@@ -7590,7 +7613,7 @@
         </p:nvSpPr>
         <p:spPr>
           <a:xfrm>
-            <a:off x="10040205" y="5059973"/>
+            <a:off x="8826559" y="5059973"/>
             <a:ext cx="997644" cy="281533"/>
           </a:xfrm>
           <a:prstGeom prst="rect">
@@ -7651,6 +7674,49 @@
           </a:p>
         </p:txBody>
       </p:sp>
+      <p:cxnSp>
+        <p:nvCxnSpPr>
+          <p:cNvPr id="73" name="Straight Arrow Connector 72">
+            <a:extLst>
+              <a:ext uri="{FF2B5EF4-FFF2-40B4-BE49-F238E27FC236}">
+                <a16:creationId xmlns:a16="http://schemas.microsoft.com/office/drawing/2014/main" id="{D29A1EA5-E518-F748-ACB7-0C5ABBEFCFEC}"/>
+              </a:ext>
+            </a:extLst>
+          </p:cNvPr>
+          <p:cNvCxnSpPr>
+            <a:cxnSpLocks/>
+            <a:stCxn id="267" idx="0"/>
+          </p:cNvCxnSpPr>
+          <p:nvPr/>
+        </p:nvCxnSpPr>
+        <p:spPr>
+          <a:xfrm flipV="1">
+            <a:off x="9325381" y="4153197"/>
+            <a:ext cx="0" cy="906776"/>
+          </a:xfrm>
+          <a:prstGeom prst="straightConnector1">
+            <a:avLst/>
+          </a:prstGeom>
+          <a:ln>
+            <a:prstDash val="dash"/>
+            <a:tailEnd type="triangle"/>
+          </a:ln>
+        </p:spPr>
+        <p:style>
+          <a:lnRef idx="1">
+            <a:schemeClr val="accent1"/>
+          </a:lnRef>
+          <a:fillRef idx="0">
+            <a:schemeClr val="accent1"/>
+          </a:fillRef>
+          <a:effectRef idx="0">
+            <a:schemeClr val="accent1"/>
+          </a:effectRef>
+          <a:fontRef idx="minor">
+            <a:schemeClr val="tx1"/>
+          </a:fontRef>
+        </p:style>
+      </p:cxnSp>
     </p:spTree>
     <p:extLst>
       <p:ext uri="{BB962C8B-B14F-4D97-AF65-F5344CB8AC3E}">
@@ -8730,6 +8796,51 @@
                                           </p:stCondLst>
                                         </p:cTn>
                                         <p:tgtEl>
+                                          <p:spTgt spid="73"/>
+                                        </p:tgtEl>
+                                        <p:attrNameLst>
+                                          <p:attrName>style.visibility</p:attrName>
+                                        </p:attrNameLst>
+                                      </p:cBhvr>
+                                      <p:to>
+                                        <p:strVal val="visible"/>
+                                      </p:to>
+                                    </p:set>
+                                  </p:childTnLst>
+                                </p:cTn>
+                              </p:par>
+                            </p:childTnLst>
+                          </p:cTn>
+                        </p:par>
+                      </p:childTnLst>
+                    </p:cTn>
+                  </p:par>
+                  <p:par>
+                    <p:cTn id="95" fill="hold">
+                      <p:stCondLst>
+                        <p:cond delay="indefinite"/>
+                      </p:stCondLst>
+                      <p:childTnLst>
+                        <p:par>
+                          <p:cTn id="96" fill="hold">
+                            <p:stCondLst>
+                              <p:cond delay="0"/>
+                            </p:stCondLst>
+                            <p:childTnLst>
+                              <p:par>
+                                <p:cTn id="97" presetID="1" presetClass="entr" presetSubtype="0" fill="hold" nodeType="clickEffect">
+                                  <p:stCondLst>
+                                    <p:cond delay="0"/>
+                                  </p:stCondLst>
+                                  <p:childTnLst>
+                                    <p:set>
+                                      <p:cBhvr>
+                                        <p:cTn id="98" dur="1" fill="hold">
+                                          <p:stCondLst>
+                                            <p:cond delay="0"/>
+                                          </p:stCondLst>
+                                        </p:cTn>
+                                        <p:tgtEl>
                                           <p:spTgt spid="97"/>
                                         </p:tgtEl>
                                         <p:attrNameLst>
@@ -8744,14 +8855,14 @@
                                 </p:cTn>
                               </p:par>
                               <p:par>
-                                <p:cTn id="95" presetID="1" presetClass="entr" presetSubtype="0" fill="hold" grpId="0" nodeType="withEffect">
+                                <p:cTn id="99" presetID="1" presetClass="entr" presetSubtype="0" fill="hold" grpId="0" nodeType="withEffect">
                                   <p:stCondLst>
                                     <p:cond delay="0"/>
                                   </p:stCondLst>
                                   <p:childTnLst>
                                     <p:set>
                                       <p:cBhvr>
-                                        <p:cTn id="96" dur="1" fill="hold">
+                                        <p:cTn id="100" dur="1" fill="hold">
                                           <p:stCondLst>
                                             <p:cond delay="0"/>
                                           </p:stCondLst>
@@ -8777,73 +8888,19 @@
                     </p:cTn>
                   </p:par>
                   <p:par>
-                    <p:cTn id="97" fill="hold">
+                    <p:cTn id="101" fill="hold">
                       <p:stCondLst>
                         <p:cond delay="indefinite"/>
                       </p:stCondLst>
                       <p:childTnLst>
                         <p:par>
-                          <p:cTn id="98" fill="hold">
+                          <p:cTn id="102" fill="hold">
                             <p:stCondLst>
                               <p:cond delay="0"/>
                             </p:stCondLst>
                             <p:childTnLst>
                               <p:par>
-                                <p:cTn id="99" presetID="1" presetClass="entr" presetSubtype="0" fill="hold" nodeType="clickEffect">
-                                  <p:stCondLst>
-                                    <p:cond delay="0"/>
-                                  </p:stCondLst>
-                                  <p:childTnLst>
-                                    <p:set>
-                                      <p:cBhvr>
-                                        <p:cTn id="100" dur="1" fill="hold">
-                                          <p:stCondLst>
-                                            <p:cond delay="0"/>
-                                          </p:stCondLst>
-                                        </p:cTn>
-                                        <p:tgtEl>
-                                          <p:spTgt spid="120"/>
-                                        </p:tgtEl>
-                                        <p:attrNameLst>
-                                          <p:attrName>style.visibility</p:attrName>
-                                        </p:attrNameLst>
-                                      </p:cBhvr>
-                                      <p:to>
-                                        <p:strVal val="visible"/>
-                                      </p:to>
-                                    </p:set>
-                                  </p:childTnLst>
-                                </p:cTn>
-                              </p:par>
-                              <p:par>
-                                <p:cTn id="101" presetID="1" presetClass="entr" presetSubtype="0" fill="hold" grpId="0" nodeType="withEffect">
-                                  <p:stCondLst>
-                                    <p:cond delay="0"/>
-                                  </p:stCondLst>
-                                  <p:childTnLst>
-                                    <p:set>
-                                      <p:cBhvr>
-                                        <p:cTn id="102" dur="1" fill="hold">
-                                          <p:stCondLst>
-                                            <p:cond delay="0"/>
-                                          </p:stCondLst>
-                                        </p:cTn>
-                                        <p:tgtEl>
-                                          <p:spTgt spid="218"/>
-                                        </p:tgtEl>
-                                        <p:attrNameLst>
-                                          <p:attrName>style.visibility</p:attrName>
-                                        </p:attrNameLst>
-                                      </p:cBhvr>
-                                      <p:to>
-                                        <p:strVal val="visible"/>
-                                      </p:to>
-                                    </p:set>
-                                  </p:childTnLst>
-                                </p:cTn>
-                              </p:par>
-                              <p:par>
-                                <p:cTn id="103" presetID="1" presetClass="entr" presetSubtype="0" fill="hold" nodeType="withEffect">
+                                <p:cTn id="103" presetID="1" presetClass="entr" presetSubtype="0" fill="hold" nodeType="clickEffect">
                                   <p:stCondLst>
                                     <p:cond delay="0"/>
                                   </p:stCondLst>
@@ -8856,7 +8913,7 @@
                                           </p:stCondLst>
                                         </p:cTn>
                                         <p:tgtEl>
-                                          <p:spTgt spid="244"/>
+                                          <p:spTgt spid="120"/>
                                         </p:tgtEl>
                                         <p:attrNameLst>
                                           <p:attrName>style.visibility</p:attrName>
@@ -8883,6 +8940,60 @@
                                           </p:stCondLst>
                                         </p:cTn>
                                         <p:tgtEl>
+                                          <p:spTgt spid="218"/>
+                                        </p:tgtEl>
+                                        <p:attrNameLst>
+                                          <p:attrName>style.visibility</p:attrName>
+                                        </p:attrNameLst>
+                                      </p:cBhvr>
+                                      <p:to>
+                                        <p:strVal val="visible"/>
+                                      </p:to>
+                                    </p:set>
+                                  </p:childTnLst>
+                                </p:cTn>
+                              </p:par>
+                              <p:par>
+                                <p:cTn id="107" presetID="1" presetClass="entr" presetSubtype="0" fill="hold" nodeType="withEffect">
+                                  <p:stCondLst>
+                                    <p:cond delay="0"/>
+                                  </p:stCondLst>
+                                  <p:childTnLst>
+                                    <p:set>
+                                      <p:cBhvr>
+                                        <p:cTn id="108" dur="1" fill="hold">
+                                          <p:stCondLst>
+                                            <p:cond delay="0"/>
+                                          </p:stCondLst>
+                                        </p:cTn>
+                                        <p:tgtEl>
+                                          <p:spTgt spid="244"/>
+                                        </p:tgtEl>
+                                        <p:attrNameLst>
+                                          <p:attrName>style.visibility</p:attrName>
+                                        </p:attrNameLst>
+                                      </p:cBhvr>
+                                      <p:to>
+                                        <p:strVal val="visible"/>
+                                      </p:to>
+                                    </p:set>
+                                  </p:childTnLst>
+                                </p:cTn>
+                              </p:par>
+                              <p:par>
+                                <p:cTn id="109" presetID="1" presetClass="entr" presetSubtype="0" fill="hold" grpId="0" nodeType="withEffect">
+                                  <p:stCondLst>
+                                    <p:cond delay="0"/>
+                                  </p:stCondLst>
+                                  <p:childTnLst>
+                                    <p:set>
+                                      <p:cBhvr>
+                                        <p:cTn id="110" dur="1" fill="hold">
+                                          <p:stCondLst>
+                                            <p:cond delay="0"/>
+                                          </p:stCondLst>
+                                        </p:cTn>
+                                        <p:tgtEl>
                                           <p:spTgt spid="243"/>
                                         </p:tgtEl>
                                         <p:attrNameLst>
@@ -8903,26 +9014,26 @@
                     </p:cTn>
                   </p:par>
                   <p:par>
-                    <p:cTn id="107" fill="hold">
+                    <p:cTn id="111" fill="hold">
                       <p:stCondLst>
                         <p:cond delay="indefinite"/>
                       </p:stCondLst>
                       <p:childTnLst>
                         <p:par>
-                          <p:cTn id="108" fill="hold">
+                          <p:cTn id="112" fill="hold">
                             <p:stCondLst>
                               <p:cond delay="0"/>
                             </p:stCondLst>
                             <p:childTnLst>
                               <p:par>
-                                <p:cTn id="109" presetID="1" presetClass="entr" presetSubtype="0" fill="hold" nodeType="clickEffect">
+                                <p:cTn id="113" presetID="1" presetClass="entr" presetSubtype="0" fill="hold" nodeType="clickEffect">
                                   <p:stCondLst>
                                     <p:cond delay="0"/>
                                   </p:stCondLst>
                                   <p:childTnLst>
                                     <p:set>
                                       <p:cBhvr>
-                                        <p:cTn id="110" dur="1" fill="hold">
+                                        <p:cTn id="114" dur="1" fill="hold">
                                           <p:stCondLst>
                                             <p:cond delay="0"/>
                                           </p:stCondLst>
@@ -8942,14 +9053,14 @@
                                 </p:cTn>
                               </p:par>
                               <p:par>
-                                <p:cTn id="111" presetID="1" presetClass="entr" presetSubtype="0" fill="hold" grpId="0" nodeType="withEffect">
+                                <p:cTn id="115" presetID="1" presetClass="entr" presetSubtype="0" fill="hold" grpId="0" nodeType="withEffect">
                                   <p:stCondLst>
                                     <p:cond delay="0"/>
                                   </p:stCondLst>
                                   <p:childTnLst>
                                     <p:set>
                                       <p:cBhvr>
-                                        <p:cTn id="112" dur="1" fill="hold">
+                                        <p:cTn id="116" dur="1" fill="hold">
                                           <p:stCondLst>
                                             <p:cond delay="0"/>
                                           </p:stCondLst>
@@ -8975,26 +9086,26 @@
                     </p:cTn>
                   </p:par>
                   <p:par>
-                    <p:cTn id="113" fill="hold">
+                    <p:cTn id="117" fill="hold">
                       <p:stCondLst>
                         <p:cond delay="indefinite"/>
                       </p:stCondLst>
                       <p:childTnLst>
                         <p:par>
-                          <p:cTn id="114" fill="hold">
+                          <p:cTn id="118" fill="hold">
                             <p:stCondLst>
                               <p:cond delay="0"/>
                             </p:stCondLst>
                             <p:childTnLst>
                               <p:par>
-                                <p:cTn id="115" presetID="1" presetClass="entr" presetSubtype="0" fill="hold" nodeType="clickEffect">
+                                <p:cTn id="119" presetID="1" presetClass="entr" presetSubtype="0" fill="hold" nodeType="clickEffect">
                                   <p:stCondLst>
                                     <p:cond delay="0"/>
                                   </p:stCondLst>
                                   <p:childTnLst>
                                     <p:set>
                                       <p:cBhvr>
-                                        <p:cTn id="116" dur="1" fill="hold">
+                                        <p:cTn id="120" dur="1" fill="hold">
                                           <p:stCondLst>
                                             <p:cond delay="0"/>
                                           </p:stCondLst>
@@ -9014,14 +9125,14 @@
                                 </p:cTn>
                               </p:par>
                               <p:par>
-                                <p:cTn id="117" presetID="1" presetClass="entr" presetSubtype="0" fill="hold" grpId="0" nodeType="withEffect">
+                                <p:cTn id="121" presetID="1" presetClass="entr" presetSubtype="0" fill="hold" grpId="0" nodeType="withEffect">
                                   <p:stCondLst>
                                     <p:cond delay="0"/>
                                   </p:stCondLst>
                                   <p:childTnLst>
                                     <p:set>
                                       <p:cBhvr>
-                                        <p:cTn id="118" dur="1" fill="hold">
+                                        <p:cTn id="122" dur="1" fill="hold">
                                           <p:stCondLst>
                                             <p:cond delay="0"/>
                                           </p:stCondLst>
@@ -9047,26 +9158,26 @@
                     </p:cTn>
                   </p:par>
                   <p:par>
-                    <p:cTn id="119" fill="hold">
+                    <p:cTn id="123" fill="hold">
                       <p:stCondLst>
                         <p:cond delay="indefinite"/>
                       </p:stCondLst>
                       <p:childTnLst>
                         <p:par>
-                          <p:cTn id="120" fill="hold">
+                          <p:cTn id="124" fill="hold">
                             <p:stCondLst>
                               <p:cond delay="0"/>
                             </p:stCondLst>
                             <p:childTnLst>
                               <p:par>
-                                <p:cTn id="121" presetID="1" presetClass="entr" presetSubtype="0" fill="hold" nodeType="clickEffect">
+                                <p:cTn id="125" presetID="1" presetClass="entr" presetSubtype="0" fill="hold" nodeType="clickEffect">
                                   <p:stCondLst>
                                     <p:cond delay="0"/>
                                   </p:stCondLst>
                                   <p:childTnLst>
                                     <p:set>
                                       <p:cBhvr>
-                                        <p:cTn id="122" dur="1" fill="hold">
+                                        <p:cTn id="126" dur="1" fill="hold">
                                           <p:stCondLst>
                                             <p:cond delay="0"/>
                                           </p:stCondLst>
@@ -9086,52 +9197,7 @@
                                 </p:cTn>
                               </p:par>
                               <p:par>
-                                <p:cTn id="123" presetID="1" presetClass="entr" presetSubtype="0" fill="hold" grpId="0" nodeType="withEffect">
-                                  <p:stCondLst>
-                                    <p:cond delay="0"/>
-                                  </p:stCondLst>
-                                  <p:childTnLst>
-                                    <p:set>
-                                      <p:cBhvr>
-                                        <p:cTn id="124" dur="1" fill="hold">
-                                          <p:stCondLst>
-                                            <p:cond delay="0"/>
-                                          </p:stCondLst>
-                                        </p:cTn>
-                                        <p:tgtEl>
-                                          <p:spTgt spid="61"/>
-                                        </p:tgtEl>
-                                        <p:attrNameLst>
-                                          <p:attrName>style.visibility</p:attrName>
-                                        </p:attrNameLst>
-                                      </p:cBhvr>
-                                      <p:to>
-                                        <p:strVal val="visible"/>
-                                      </p:to>
-                                    </p:set>
-                                  </p:childTnLst>
-                                </p:cTn>
-                              </p:par>
-                            </p:childTnLst>
-                          </p:cTn>
-                        </p:par>
-                      </p:childTnLst>
-                    </p:cTn>
-                  </p:par>
-                  <p:par>
-                    <p:cTn id="125" fill="hold">
-                      <p:stCondLst>
-                        <p:cond delay="indefinite"/>
-                      </p:stCondLst>
-                      <p:childTnLst>
-                        <p:par>
-                          <p:cTn id="126" fill="hold">
-                            <p:stCondLst>
-                              <p:cond delay="0"/>
-                            </p:stCondLst>
-                            <p:childTnLst>
-                              <p:par>
-                                <p:cTn id="127" presetID="1" presetClass="entr" presetSubtype="0" fill="hold" nodeType="clickEffect">
+                                <p:cTn id="127" presetID="1" presetClass="entr" presetSubtype="0" fill="hold" grpId="0" nodeType="withEffect">
                                   <p:stCondLst>
                                     <p:cond delay="0"/>
                                   </p:stCondLst>
@@ -9144,7 +9210,7 @@
                                           </p:stCondLst>
                                         </p:cTn>
                                         <p:tgtEl>
-                                          <p:spTgt spid="251"/>
+                                          <p:spTgt spid="61"/>
                                         </p:tgtEl>
                                         <p:attrNameLst>
                                           <p:attrName>style.visibility</p:attrName>
@@ -9176,7 +9242,7 @@
                             </p:stCondLst>
                             <p:childTnLst>
                               <p:par>
-                                <p:cTn id="131" presetID="1" presetClass="entr" presetSubtype="0" fill="hold" grpId="0" nodeType="clickEffect">
+                                <p:cTn id="131" presetID="1" presetClass="entr" presetSubtype="0" fill="hold" nodeType="clickEffect">
                                   <p:stCondLst>
                                     <p:cond delay="0"/>
                                   </p:stCondLst>
@@ -9184,6 +9250,51 @@
                                     <p:set>
                                       <p:cBhvr>
                                         <p:cTn id="132" dur="1" fill="hold">
+                                          <p:stCondLst>
+                                            <p:cond delay="0"/>
+                                          </p:stCondLst>
+                                        </p:cTn>
+                                        <p:tgtEl>
+                                          <p:spTgt spid="251"/>
+                                        </p:tgtEl>
+                                        <p:attrNameLst>
+                                          <p:attrName>style.visibility</p:attrName>
+                                        </p:attrNameLst>
+                                      </p:cBhvr>
+                                      <p:to>
+                                        <p:strVal val="visible"/>
+                                      </p:to>
+                                    </p:set>
+                                  </p:childTnLst>
+                                </p:cTn>
+                              </p:par>
+                            </p:childTnLst>
+                          </p:cTn>
+                        </p:par>
+                      </p:childTnLst>
+                    </p:cTn>
+                  </p:par>
+                  <p:par>
+                    <p:cTn id="133" fill="hold">
+                      <p:stCondLst>
+                        <p:cond delay="indefinite"/>
+                      </p:stCondLst>
+                      <p:childTnLst>
+                        <p:par>
+                          <p:cTn id="134" fill="hold">
+                            <p:stCondLst>
+                              <p:cond delay="0"/>
+                            </p:stCondLst>
+                            <p:childTnLst>
+                              <p:par>
+                                <p:cTn id="135" presetID="1" presetClass="entr" presetSubtype="0" fill="hold" grpId="0" nodeType="clickEffect">
+                                  <p:stCondLst>
+                                    <p:cond delay="0"/>
+                                  </p:stCondLst>
+                                  <p:childTnLst>
+                                    <p:set>
+                                      <p:cBhvr>
+                                        <p:cTn id="136" dur="1" fill="hold">
                                           <p:stCondLst>
                                             <p:cond delay="0"/>
                                           </p:stCondLst>
@@ -9203,14 +9314,14 @@
                                 </p:cTn>
                               </p:par>
                               <p:par>
-                                <p:cTn id="133" presetID="1" presetClass="entr" presetSubtype="0" fill="hold" nodeType="withEffect">
+                                <p:cTn id="137" presetID="1" presetClass="entr" presetSubtype="0" fill="hold" nodeType="withEffect">
                                   <p:stCondLst>
                                     <p:cond delay="0"/>
                                   </p:stCondLst>
                                   <p:childTnLst>
                                     <p:set>
                                       <p:cBhvr>
-                                        <p:cTn id="134" dur="1" fill="hold">
+                                        <p:cTn id="138" dur="1" fill="hold">
                                           <p:stCondLst>
                                             <p:cond delay="0"/>
                                           </p:stCondLst>
@@ -9230,14 +9341,14 @@
                                 </p:cTn>
                               </p:par>
                               <p:par>
-                                <p:cTn id="135" presetID="1" presetClass="entr" presetSubtype="0" fill="hold" grpId="0" nodeType="withEffect">
+                                <p:cTn id="139" presetID="1" presetClass="entr" presetSubtype="0" fill="hold" grpId="0" nodeType="withEffect">
                                   <p:stCondLst>
                                     <p:cond delay="0"/>
                                   </p:stCondLst>
                                   <p:childTnLst>
                                     <p:set>
                                       <p:cBhvr>
-                                        <p:cTn id="136" dur="1" fill="hold">
+                                        <p:cTn id="140" dur="1" fill="hold">
                                           <p:stCondLst>
                                             <p:cond delay="0"/>
                                           </p:stCondLst>
@@ -9263,73 +9374,19 @@
                     </p:cTn>
                   </p:par>
                   <p:par>
-                    <p:cTn id="137" fill="hold">
+                    <p:cTn id="141" fill="hold">
                       <p:stCondLst>
                         <p:cond delay="indefinite"/>
                       </p:stCondLst>
                       <p:childTnLst>
                         <p:par>
-                          <p:cTn id="138" fill="hold">
+                          <p:cTn id="142" fill="hold">
                             <p:stCondLst>
                               <p:cond delay="0"/>
                             </p:stCondLst>
                             <p:childTnLst>
                               <p:par>
-                                <p:cTn id="139" presetID="1" presetClass="entr" presetSubtype="0" fill="hold" grpId="0" nodeType="clickEffect">
-                                  <p:stCondLst>
-                                    <p:cond delay="0"/>
-                                  </p:stCondLst>
-                                  <p:childTnLst>
-                                    <p:set>
-                                      <p:cBhvr>
-                                        <p:cTn id="140" dur="1" fill="hold">
-                                          <p:stCondLst>
-                                            <p:cond delay="0"/>
-                                          </p:stCondLst>
-                                        </p:cTn>
-                                        <p:tgtEl>
-                                          <p:spTgt spid="137"/>
-                                        </p:tgtEl>
-                                        <p:attrNameLst>
-                                          <p:attrName>style.visibility</p:attrName>
-                                        </p:attrNameLst>
-                                      </p:cBhvr>
-                                      <p:to>
-                                        <p:strVal val="visible"/>
-                                      </p:to>
-                                    </p:set>
-                                  </p:childTnLst>
-                                </p:cTn>
-                              </p:par>
-                              <p:par>
-                                <p:cTn id="141" presetID="1" presetClass="entr" presetSubtype="0" fill="hold" grpId="0" nodeType="withEffect">
-                                  <p:stCondLst>
-                                    <p:cond delay="0"/>
-                                  </p:stCondLst>
-                                  <p:childTnLst>
-                                    <p:set>
-                                      <p:cBhvr>
-                                        <p:cTn id="142" dur="1" fill="hold">
-                                          <p:stCondLst>
-                                            <p:cond delay="0"/>
-                                          </p:stCondLst>
-                                        </p:cTn>
-                                        <p:tgtEl>
-                                          <p:spTgt spid="138"/>
-                                        </p:tgtEl>
-                                        <p:attrNameLst>
-                                          <p:attrName>style.visibility</p:attrName>
-                                        </p:attrNameLst>
-                                      </p:cBhvr>
-                                      <p:to>
-                                        <p:strVal val="visible"/>
-                                      </p:to>
-                                    </p:set>
-                                  </p:childTnLst>
-                                </p:cTn>
-                              </p:par>
-                              <p:par>
-                                <p:cTn id="143" presetID="1" presetClass="entr" presetSubtype="0" fill="hold" grpId="0" nodeType="withEffect">
+                                <p:cTn id="143" presetID="1" presetClass="entr" presetSubtype="0" fill="hold" grpId="0" nodeType="clickEffect">
                                   <p:stCondLst>
                                     <p:cond delay="0"/>
                                   </p:stCondLst>
@@ -9342,7 +9399,7 @@
                                           </p:stCondLst>
                                         </p:cTn>
                                         <p:tgtEl>
-                                          <p:spTgt spid="139"/>
+                                          <p:spTgt spid="137"/>
                                         </p:tgtEl>
                                         <p:attrNameLst>
                                           <p:attrName>style.visibility</p:attrName>
@@ -9369,7 +9426,7 @@
                                           </p:stCondLst>
                                         </p:cTn>
                                         <p:tgtEl>
-                                          <p:spTgt spid="238"/>
+                                          <p:spTgt spid="138"/>
                                         </p:tgtEl>
                                         <p:attrNameLst>
                                           <p:attrName>style.visibility</p:attrName>
@@ -9396,7 +9453,7 @@
                                           </p:stCondLst>
                                         </p:cTn>
                                         <p:tgtEl>
-                                          <p:spTgt spid="140"/>
+                                          <p:spTgt spid="139"/>
                                         </p:tgtEl>
                                         <p:attrNameLst>
                                           <p:attrName>style.visibility</p:attrName>
@@ -9423,7 +9480,7 @@
                                           </p:stCondLst>
                                         </p:cTn>
                                         <p:tgtEl>
-                                          <p:spTgt spid="135"/>
+                                          <p:spTgt spid="238"/>
                                         </p:tgtEl>
                                         <p:attrNameLst>
                                           <p:attrName>style.visibility</p:attrName>
@@ -9450,7 +9507,7 @@
                                           </p:stCondLst>
                                         </p:cTn>
                                         <p:tgtEl>
-                                          <p:spTgt spid="230"/>
+                                          <p:spTgt spid="140"/>
                                         </p:tgtEl>
                                         <p:attrNameLst>
                                           <p:attrName>style.visibility</p:attrName>
@@ -9477,7 +9534,7 @@
                                           </p:stCondLst>
                                         </p:cTn>
                                         <p:tgtEl>
-                                          <p:spTgt spid="231"/>
+                                          <p:spTgt spid="135"/>
                                         </p:tgtEl>
                                         <p:attrNameLst>
                                           <p:attrName>style.visibility</p:attrName>
@@ -9504,7 +9561,7 @@
                                           </p:stCondLst>
                                         </p:cTn>
                                         <p:tgtEl>
-                                          <p:spTgt spid="232"/>
+                                          <p:spTgt spid="230"/>
                                         </p:tgtEl>
                                         <p:attrNameLst>
                                           <p:attrName>style.visibility</p:attrName>
@@ -9531,6 +9588,60 @@
                                           </p:stCondLst>
                                         </p:cTn>
                                         <p:tgtEl>
+                                          <p:spTgt spid="231"/>
+                                        </p:tgtEl>
+                                        <p:attrNameLst>
+                                          <p:attrName>style.visibility</p:attrName>
+                                        </p:attrNameLst>
+                                      </p:cBhvr>
+                                      <p:to>
+                                        <p:strVal val="visible"/>
+                                      </p:to>
+                                    </p:set>
+                                  </p:childTnLst>
+                                </p:cTn>
+                              </p:par>
+                              <p:par>
+                                <p:cTn id="159" presetID="1" presetClass="entr" presetSubtype="0" fill="hold" grpId="0" nodeType="withEffect">
+                                  <p:stCondLst>
+                                    <p:cond delay="0"/>
+                                  </p:stCondLst>
+                                  <p:childTnLst>
+                                    <p:set>
+                                      <p:cBhvr>
+                                        <p:cTn id="160" dur="1" fill="hold">
+                                          <p:stCondLst>
+                                            <p:cond delay="0"/>
+                                          </p:stCondLst>
+                                        </p:cTn>
+                                        <p:tgtEl>
+                                          <p:spTgt spid="232"/>
+                                        </p:tgtEl>
+                                        <p:attrNameLst>
+                                          <p:attrName>style.visibility</p:attrName>
+                                        </p:attrNameLst>
+                                      </p:cBhvr>
+                                      <p:to>
+                                        <p:strVal val="visible"/>
+                                      </p:to>
+                                    </p:set>
+                                  </p:childTnLst>
+                                </p:cTn>
+                              </p:par>
+                              <p:par>
+                                <p:cTn id="161" presetID="1" presetClass="entr" presetSubtype="0" fill="hold" grpId="0" nodeType="withEffect">
+                                  <p:stCondLst>
+                                    <p:cond delay="0"/>
+                                  </p:stCondLst>
+                                  <p:childTnLst>
+                                    <p:set>
+                                      <p:cBhvr>
+                                        <p:cTn id="162" dur="1" fill="hold">
+                                          <p:stCondLst>
+                                            <p:cond delay="0"/>
+                                          </p:stCondLst>
+                                        </p:cTn>
+                                        <p:tgtEl>
                                           <p:spTgt spid="233"/>
                                         </p:tgtEl>
                                         <p:attrNameLst>
@@ -9551,26 +9662,26 @@
                     </p:cTn>
                   </p:par>
                   <p:par>
-                    <p:cTn id="159" fill="hold">
+                    <p:cTn id="163" fill="hold">
                       <p:stCondLst>
                         <p:cond delay="indefinite"/>
                       </p:stCondLst>
                       <p:childTnLst>
                         <p:par>
-                          <p:cTn id="160" fill="hold">
+                          <p:cTn id="164" fill="hold">
                             <p:stCondLst>
                               <p:cond delay="0"/>
                             </p:stCondLst>
                             <p:childTnLst>
                               <p:par>
-                                <p:cTn id="161" presetID="1" presetClass="entr" presetSubtype="0" fill="hold" nodeType="clickEffect">
+                                <p:cTn id="165" presetID="1" presetClass="entr" presetSubtype="0" fill="hold" nodeType="clickEffect">
                                   <p:stCondLst>
                                     <p:cond delay="0"/>
                                   </p:stCondLst>
                                   <p:childTnLst>
                                     <p:set>
                                       <p:cBhvr>
-                                        <p:cTn id="162" dur="1" fill="hold">
+                                        <p:cTn id="166" dur="1" fill="hold">
                                           <p:stCondLst>
                                             <p:cond delay="0"/>
                                           </p:stCondLst>
@@ -9590,14 +9701,14 @@
                                 </p:cTn>
                               </p:par>
                               <p:par>
-                                <p:cTn id="163" presetID="1" presetClass="entr" presetSubtype="0" fill="hold" grpId="0" nodeType="withEffect">
+                                <p:cTn id="167" presetID="1" presetClass="entr" presetSubtype="0" fill="hold" grpId="0" nodeType="withEffect">
                                   <p:stCondLst>
                                     <p:cond delay="0"/>
                                   </p:stCondLst>
                                   <p:childTnLst>
                                     <p:set>
                                       <p:cBhvr>
-                                        <p:cTn id="164" dur="1" fill="hold">
+                                        <p:cTn id="168" dur="1" fill="hold">
                                           <p:stCondLst>
                                             <p:cond delay="0"/>
                                           </p:stCondLst>
@@ -9617,14 +9728,14 @@
                                 </p:cTn>
                               </p:par>
                               <p:par>
-                                <p:cTn id="165" presetID="1" presetClass="entr" presetSubtype="0" fill="hold" grpId="0" nodeType="withEffect">
+                                <p:cTn id="169" presetID="1" presetClass="entr" presetSubtype="0" fill="hold" grpId="0" nodeType="withEffect">
                                   <p:stCondLst>
                                     <p:cond delay="0"/>
                                   </p:stCondLst>
                                   <p:childTnLst>
                                     <p:set>
                                       <p:cBhvr>
-                                        <p:cTn id="166" dur="1" fill="hold">
+                                        <p:cTn id="170" dur="1" fill="hold">
                                           <p:stCondLst>
                                             <p:cond delay="0"/>
                                           </p:stCondLst>
@@ -9650,73 +9761,19 @@
                     </p:cTn>
                   </p:par>
                   <p:par>
-                    <p:cTn id="167" fill="hold">
+                    <p:cTn id="171" fill="hold">
                       <p:stCondLst>
                         <p:cond delay="indefinite"/>
                       </p:stCondLst>
                       <p:childTnLst>
                         <p:par>
-                          <p:cTn id="168" fill="hold">
+                          <p:cTn id="172" fill="hold">
                             <p:stCondLst>
                               <p:cond delay="0"/>
                             </p:stCondLst>
                             <p:childTnLst>
                               <p:par>
-                                <p:cTn id="169" presetID="1" presetClass="entr" presetSubtype="0" fill="hold" nodeType="clickEffect">
-                                  <p:stCondLst>
-                                    <p:cond delay="0"/>
-                                  </p:stCondLst>
-                                  <p:childTnLst>
-                                    <p:set>
-                                      <p:cBhvr>
-                                        <p:cTn id="170" dur="1" fill="hold">
-                                          <p:stCondLst>
-                                            <p:cond delay="0"/>
-                                          </p:stCondLst>
-                                        </p:cTn>
-                                        <p:tgtEl>
-                                          <p:spTgt spid="160"/>
-                                        </p:tgtEl>
-                                        <p:attrNameLst>
-                                          <p:attrName>style.visibility</p:attrName>
-                                        </p:attrNameLst>
-                                      </p:cBhvr>
-                                      <p:to>
-                                        <p:strVal val="visible"/>
-                                      </p:to>
-                                    </p:set>
-                                  </p:childTnLst>
-                                </p:cTn>
-                              </p:par>
-                              <p:par>
-                                <p:cTn id="171" presetID="1" presetClass="entr" presetSubtype="0" fill="hold" grpId="0" nodeType="withEffect">
-                                  <p:stCondLst>
-                                    <p:cond delay="0"/>
-                                  </p:stCondLst>
-                                  <p:childTnLst>
-                                    <p:set>
-                                      <p:cBhvr>
-                                        <p:cTn id="172" dur="1" fill="hold">
-                                          <p:stCondLst>
-                                            <p:cond delay="0"/>
-                                          </p:stCondLst>
-                                        </p:cTn>
-                                        <p:tgtEl>
-                                          <p:spTgt spid="156"/>
-                                        </p:tgtEl>
-                                        <p:attrNameLst>
-                                          <p:attrName>style.visibility</p:attrName>
-                                        </p:attrNameLst>
-                                      </p:cBhvr>
-                                      <p:to>
-                                        <p:strVal val="visible"/>
-                                      </p:to>
-                                    </p:set>
-                                  </p:childTnLst>
-                                </p:cTn>
-                              </p:par>
-                              <p:par>
-                                <p:cTn id="173" presetID="1" presetClass="entr" presetSubtype="0" fill="hold" grpId="0" nodeType="withEffect">
+                                <p:cTn id="173" presetID="1" presetClass="entr" presetSubtype="0" fill="hold" nodeType="clickEffect">
                                   <p:stCondLst>
                                     <p:cond delay="0"/>
                                   </p:stCondLst>
@@ -9729,7 +9786,7 @@
                                           </p:stCondLst>
                                         </p:cTn>
                                         <p:tgtEl>
-                                          <p:spTgt spid="157"/>
+                                          <p:spTgt spid="160"/>
                                         </p:tgtEl>
                                         <p:attrNameLst>
                                           <p:attrName>style.visibility</p:attrName>
@@ -9756,7 +9813,7 @@
                                           </p:stCondLst>
                                         </p:cTn>
                                         <p:tgtEl>
-                                          <p:spTgt spid="161"/>
+                                          <p:spTgt spid="156"/>
                                         </p:tgtEl>
                                         <p:attrNameLst>
                                           <p:attrName>style.visibility</p:attrName>
@@ -9783,6 +9840,60 @@
                                           </p:stCondLst>
                                         </p:cTn>
                                         <p:tgtEl>
+                                          <p:spTgt spid="157"/>
+                                        </p:tgtEl>
+                                        <p:attrNameLst>
+                                          <p:attrName>style.visibility</p:attrName>
+                                        </p:attrNameLst>
+                                      </p:cBhvr>
+                                      <p:to>
+                                        <p:strVal val="visible"/>
+                                      </p:to>
+                                    </p:set>
+                                  </p:childTnLst>
+                                </p:cTn>
+                              </p:par>
+                              <p:par>
+                                <p:cTn id="179" presetID="1" presetClass="entr" presetSubtype="0" fill="hold" grpId="0" nodeType="withEffect">
+                                  <p:stCondLst>
+                                    <p:cond delay="0"/>
+                                  </p:stCondLst>
+                                  <p:childTnLst>
+                                    <p:set>
+                                      <p:cBhvr>
+                                        <p:cTn id="180" dur="1" fill="hold">
+                                          <p:stCondLst>
+                                            <p:cond delay="0"/>
+                                          </p:stCondLst>
+                                        </p:cTn>
+                                        <p:tgtEl>
+                                          <p:spTgt spid="161"/>
+                                        </p:tgtEl>
+                                        <p:attrNameLst>
+                                          <p:attrName>style.visibility</p:attrName>
+                                        </p:attrNameLst>
+                                      </p:cBhvr>
+                                      <p:to>
+                                        <p:strVal val="visible"/>
+                                      </p:to>
+                                    </p:set>
+                                  </p:childTnLst>
+                                </p:cTn>
+                              </p:par>
+                              <p:par>
+                                <p:cTn id="181" presetID="1" presetClass="entr" presetSubtype="0" fill="hold" grpId="0" nodeType="withEffect">
+                                  <p:stCondLst>
+                                    <p:cond delay="0"/>
+                                  </p:stCondLst>
+                                  <p:childTnLst>
+                                    <p:set>
+                                      <p:cBhvr>
+                                        <p:cTn id="182" dur="1" fill="hold">
+                                          <p:stCondLst>
+                                            <p:cond delay="0"/>
+                                          </p:stCondLst>
+                                        </p:cTn>
+                                        <p:tgtEl>
                                           <p:spTgt spid="237"/>
                                         </p:tgtEl>
                                         <p:attrNameLst>
@@ -9803,26 +9914,26 @@
                     </p:cTn>
                   </p:par>
                   <p:par>
-                    <p:cTn id="179" fill="hold">
+                    <p:cTn id="183" fill="hold">
                       <p:stCondLst>
                         <p:cond delay="indefinite"/>
                       </p:stCondLst>
                       <p:childTnLst>
                         <p:par>
-                          <p:cTn id="180" fill="hold">
+                          <p:cTn id="184" fill="hold">
                             <p:stCondLst>
                               <p:cond delay="0"/>
                             </p:stCondLst>
                             <p:childTnLst>
                               <p:par>
-                                <p:cTn id="181" presetID="1" presetClass="entr" presetSubtype="0" fill="hold" grpId="0" nodeType="clickEffect">
+                                <p:cTn id="185" presetID="1" presetClass="entr" presetSubtype="0" fill="hold" grpId="0" nodeType="clickEffect">
                                   <p:stCondLst>
                                     <p:cond delay="0"/>
                                   </p:stCondLst>
                                   <p:childTnLst>
                                     <p:set>
                                       <p:cBhvr>
-                                        <p:cTn id="182" dur="1" fill="hold">
+                                        <p:cTn id="186" dur="1" fill="hold">
                                           <p:stCondLst>
                                             <p:cond delay="0"/>
                                           </p:stCondLst>
@@ -9842,14 +9953,14 @@
                                 </p:cTn>
                               </p:par>
                               <p:par>
-                                <p:cTn id="183" presetID="1" presetClass="entr" presetSubtype="0" fill="hold" grpId="0" nodeType="withEffect">
+                                <p:cTn id="187" presetID="1" presetClass="entr" presetSubtype="0" fill="hold" grpId="0" nodeType="withEffect">
                                   <p:stCondLst>
                                     <p:cond delay="0"/>
                                   </p:stCondLst>
                                   <p:childTnLst>
                                     <p:set>
                                       <p:cBhvr>
-                                        <p:cTn id="184" dur="1" fill="hold">
+                                        <p:cTn id="188" dur="1" fill="hold">
                                           <p:stCondLst>
                                             <p:cond delay="0"/>
                                           </p:stCondLst>
@@ -9869,14 +9980,14 @@
                                 </p:cTn>
                               </p:par>
                               <p:par>
-                                <p:cTn id="185" presetID="1" presetClass="entr" presetSubtype="0" fill="hold" grpId="0" nodeType="withEffect">
+                                <p:cTn id="189" presetID="1" presetClass="entr" presetSubtype="0" fill="hold" grpId="0" nodeType="withEffect">
                                   <p:stCondLst>
                                     <p:cond delay="0"/>
                                   </p:stCondLst>
                                   <p:childTnLst>
                                     <p:set>
                                       <p:cBhvr>
-                                        <p:cTn id="186" dur="1" fill="hold">
+                                        <p:cTn id="190" dur="1" fill="hold">
                                           <p:stCondLst>
                                             <p:cond delay="0"/>
                                           </p:stCondLst>
@@ -9902,26 +10013,26 @@
                     </p:cTn>
                   </p:par>
                   <p:par>
-                    <p:cTn id="187" fill="hold">
+                    <p:cTn id="191" fill="hold">
                       <p:stCondLst>
                         <p:cond delay="indefinite"/>
                       </p:stCondLst>
                       <p:childTnLst>
                         <p:par>
-                          <p:cTn id="188" fill="hold">
+                          <p:cTn id="192" fill="hold">
                             <p:stCondLst>
                               <p:cond delay="0"/>
                             </p:stCondLst>
                             <p:childTnLst>
                               <p:par>
-                                <p:cTn id="189" presetID="1" presetClass="entr" presetSubtype="0" fill="hold" nodeType="clickEffect">
+                                <p:cTn id="193" presetID="1" presetClass="entr" presetSubtype="0" fill="hold" nodeType="clickEffect">
                                   <p:stCondLst>
                                     <p:cond delay="0"/>
                                   </p:stCondLst>
                                   <p:childTnLst>
                                     <p:set>
                                       <p:cBhvr>
-                                        <p:cTn id="190" dur="1" fill="hold">
+                                        <p:cTn id="194" dur="1" fill="hold">
                                           <p:stCondLst>
                                             <p:cond delay="0"/>
                                           </p:stCondLst>
@@ -9941,52 +10052,7 @@
                                 </p:cTn>
                               </p:par>
                               <p:par>
-                                <p:cTn id="191" presetID="1" presetClass="entr" presetSubtype="0" fill="hold" grpId="0" nodeType="withEffect">
-                                  <p:stCondLst>
-                                    <p:cond delay="0"/>
-                                  </p:stCondLst>
-                                  <p:childTnLst>
-                                    <p:set>
-                                      <p:cBhvr>
-                                        <p:cTn id="192" dur="1" fill="hold">
-                                          <p:stCondLst>
-                                            <p:cond delay="0"/>
-                                          </p:stCondLst>
-                                        </p:cTn>
-                                        <p:tgtEl>
-                                          <p:spTgt spid="164"/>
-                                        </p:tgtEl>
-                                        <p:attrNameLst>
-                                          <p:attrName>style.visibility</p:attrName>
-                                        </p:attrNameLst>
-                                      </p:cBhvr>
-                                      <p:to>
-                                        <p:strVal val="visible"/>
-                                      </p:to>
-                                    </p:set>
-                                  </p:childTnLst>
-                                </p:cTn>
-                              </p:par>
-                            </p:childTnLst>
-                          </p:cTn>
-                        </p:par>
-                      </p:childTnLst>
-                    </p:cTn>
-                  </p:par>
-                  <p:par>
-                    <p:cTn id="193" fill="hold">
-                      <p:stCondLst>
-                        <p:cond delay="indefinite"/>
-                      </p:stCondLst>
-                      <p:childTnLst>
-                        <p:par>
-                          <p:cTn id="194" fill="hold">
-                            <p:stCondLst>
-                              <p:cond delay="0"/>
-                            </p:stCondLst>
-                            <p:childTnLst>
-                              <p:par>
-                                <p:cTn id="195" presetID="1" presetClass="entr" presetSubtype="0" fill="hold" grpId="0" nodeType="clickEffect">
+                                <p:cTn id="195" presetID="1" presetClass="entr" presetSubtype="0" fill="hold" grpId="0" nodeType="withEffect">
                                   <p:stCondLst>
                                     <p:cond delay="0"/>
                                   </p:stCondLst>
@@ -9999,7 +10065,7 @@
                                           </p:stCondLst>
                                         </p:cTn>
                                         <p:tgtEl>
-                                          <p:spTgt spid="170"/>
+                                          <p:spTgt spid="164"/>
                                         </p:tgtEl>
                                         <p:attrNameLst>
                                           <p:attrName>style.visibility</p:attrName>
@@ -10039,6 +10105,51 @@
                                     <p:set>
                                       <p:cBhvr>
                                         <p:cTn id="200" dur="1" fill="hold">
+                                          <p:stCondLst>
+                                            <p:cond delay="0"/>
+                                          </p:stCondLst>
+                                        </p:cTn>
+                                        <p:tgtEl>
+                                          <p:spTgt spid="170"/>
+                                        </p:tgtEl>
+                                        <p:attrNameLst>
+                                          <p:attrName>style.visibility</p:attrName>
+                                        </p:attrNameLst>
+                                      </p:cBhvr>
+                                      <p:to>
+                                        <p:strVal val="visible"/>
+                                      </p:to>
+                                    </p:set>
+                                  </p:childTnLst>
+                                </p:cTn>
+                              </p:par>
+                            </p:childTnLst>
+                          </p:cTn>
+                        </p:par>
+                      </p:childTnLst>
+                    </p:cTn>
+                  </p:par>
+                  <p:par>
+                    <p:cTn id="201" fill="hold">
+                      <p:stCondLst>
+                        <p:cond delay="indefinite"/>
+                      </p:stCondLst>
+                      <p:childTnLst>
+                        <p:par>
+                          <p:cTn id="202" fill="hold">
+                            <p:stCondLst>
+                              <p:cond delay="0"/>
+                            </p:stCondLst>
+                            <p:childTnLst>
+                              <p:par>
+                                <p:cTn id="203" presetID="1" presetClass="entr" presetSubtype="0" fill="hold" grpId="0" nodeType="clickEffect">
+                                  <p:stCondLst>
+                                    <p:cond delay="0"/>
+                                  </p:stCondLst>
+                                  <p:childTnLst>
+                                    <p:set>
+                                      <p:cBhvr>
+                                        <p:cTn id="204" dur="1" fill="hold">
                                           <p:stCondLst>
                                             <p:cond delay="0"/>
                                           </p:stCondLst>

--- a/kedro/images/kedro-install-v01.pptx
+++ b/kedro/images/kedro-install-v01.pptx
@@ -197,7 +197,7 @@
           <a:p>
             <a:fld id="{331DAA7B-1661-5A4C-8DA8-D6DA519D2931}" type="datetimeFigureOut">
               <a:rPr lang="en-US" smtClean="0"/>
-              <a:t>9/3/19</a:t>
+              <a:t>9/5/19</a:t>
             </a:fld>
             <a:endParaRPr lang="en-US"/>
           </a:p>
@@ -527,199 +527,15 @@
             </a:pPr>
             <a:r>
               <a:rPr lang="en-US" dirty="0"/>
-              <a:t>This is about the work of a shell script in GitHub under my account. The script installs all that is needed to run from the </a:t>
-            </a:r>
-            <a:r>
-              <a:rPr lang="en-US" b="1" dirty="0"/>
-              <a:t>QuantumBlackLabs</a:t>
+              <a:t>Narration for this is at https://</a:t>
+            </a:r>
+            <a:r>
+              <a:rPr lang="en-US" dirty="0" err="1"/>
+              <a:t>wilsonmar.github.io</a:t>
             </a:r>
             <a:r>
               <a:rPr lang="en-US" dirty="0"/>
-              <a:t> GitHub account </a:t>
-            </a:r>
-            <a:r>
-              <a:rPr lang="en-US" b="1" dirty="0"/>
-              <a:t>kedro</a:t>
-            </a:r>
-            <a:r>
-              <a:rPr lang="en-US" dirty="0"/>
-              <a:t> using </a:t>
-            </a:r>
-            <a:r>
-              <a:rPr lang="en-US" b="1" dirty="0"/>
-              <a:t>kedro-examples</a:t>
-            </a:r>
-            <a:r>
-              <a:rPr lang="en-US" dirty="0"/>
-              <a:t> data loaded on a Mac (Windows and Linux variants will come later). The Kedro framework makes use of </a:t>
-            </a:r>
-            <a:r>
-              <a:rPr lang="en-US" b="1" dirty="0"/>
-              <a:t>Python3</a:t>
-            </a:r>
-            <a:r>
-              <a:rPr lang="en-US" dirty="0"/>
-              <a:t>, which needs to be installed since Macs come with Python2. Some prefer to make use of </a:t>
-            </a:r>
-            <a:r>
-              <a:rPr lang="en-US" b="1" dirty="0"/>
-              <a:t>pyenv</a:t>
-            </a:r>
-            <a:r>
-              <a:rPr lang="en-US" dirty="0"/>
-              <a:t> to switch among specific versions of Python. This is the base install of Python. Kedro has been placed in the </a:t>
-            </a:r>
-            <a:r>
-              <a:rPr lang="en-US" b="1" dirty="0" err="1"/>
-              <a:t>pipI</a:t>
-            </a:r>
-            <a:r>
-              <a:rPr lang="en-US" dirty="0"/>
-              <a:t> (Python Package Index) public library so that Python can be installed by the pip package manager (</a:t>
-            </a:r>
-            <a:r>
-              <a:rPr lang="en-US" b="1" dirty="0"/>
-              <a:t>pip</a:t>
-            </a:r>
-            <a:r>
-              <a:rPr lang="en-US" dirty="0"/>
-              <a:t>). But we want to run Kedro within an </a:t>
-            </a:r>
-            <a:r>
-              <a:rPr lang="en-US" b="1" dirty="0"/>
-              <a:t>isolated environment</a:t>
-            </a:r>
-            <a:r>
-              <a:rPr lang="en-US" b="0" dirty="0"/>
-              <a:t> using Conda. We install Conda using the </a:t>
-            </a:r>
-            <a:r>
-              <a:rPr lang="en-US" b="1" dirty="0"/>
-              <a:t>anaconda</a:t>
-            </a:r>
-            <a:r>
-              <a:rPr lang="en-US" b="0" dirty="0"/>
-              <a:t> full distribution from the Homebrew library. The brew command itself is installed using </a:t>
-            </a:r>
-            <a:r>
-              <a:rPr lang="en-US" dirty="0"/>
-              <a:t>the built-in </a:t>
-            </a:r>
-            <a:r>
-              <a:rPr lang="en-US" b="1" dirty="0"/>
-              <a:t>Ruby</a:t>
-            </a:r>
-            <a:r>
-              <a:rPr lang="en-US" dirty="0"/>
-              <a:t> interpreter. The </a:t>
-            </a:r>
-            <a:r>
-              <a:rPr lang="en-US" b="1" dirty="0"/>
-              <a:t>brew install conda </a:t>
-            </a:r>
-            <a:r>
-              <a:rPr lang="en-US" dirty="0"/>
-              <a:t>command pulls from the Homebrew repository. We also use brew to install various client utilities used in the bash script: </a:t>
-            </a:r>
-            <a:r>
-              <a:rPr lang="en-US" b="1" dirty="0"/>
-              <a:t>tree</a:t>
-            </a:r>
-            <a:r>
-              <a:rPr lang="en-US" dirty="0"/>
-              <a:t> for a formatted folder display, </a:t>
-            </a:r>
-            <a:r>
-              <a:rPr lang="en-US" b="1" dirty="0" err="1"/>
-              <a:t>jq</a:t>
-            </a:r>
-            <a:r>
-              <a:rPr lang="en-US" dirty="0"/>
-              <a:t> to handle JSON, and </a:t>
-            </a:r>
-            <a:r>
-              <a:rPr lang="en-US" b="1" dirty="0"/>
-              <a:t>git</a:t>
-            </a:r>
-            <a:r>
-              <a:rPr lang="en-US" dirty="0"/>
-              <a:t> for distributed version control. Conda is installed in the default path shown. Conda stores environment definitions in a folder. A </a:t>
-            </a:r>
-            <a:r>
-              <a:rPr lang="en-US" b="1" dirty="0"/>
-              <a:t>conda activate </a:t>
-            </a:r>
-            <a:r>
-              <a:rPr lang="en-US" dirty="0"/>
-              <a:t>command references that </a:t>
-            </a:r>
-            <a:r>
-              <a:rPr lang="en-US"/>
-              <a:t>folder to </a:t>
-            </a:r>
-            <a:r>
-              <a:rPr lang="en-US" dirty="0"/>
-              <a:t>ensure that the program can be found </a:t>
-            </a:r>
-            <a:r>
-              <a:rPr lang="en-US" b="0" dirty="0"/>
-              <a:t>in its default </a:t>
-            </a:r>
-            <a:r>
-              <a:rPr lang="en-US" dirty="0"/>
-              <a:t>path. A </a:t>
-            </a:r>
-            <a:r>
-              <a:rPr lang="en-US" b="1" dirty="0"/>
-              <a:t>conda </a:t>
-            </a:r>
-            <a:r>
-              <a:rPr lang="en-US" b="1" dirty="0" err="1"/>
-              <a:t>init</a:t>
-            </a:r>
-            <a:r>
-              <a:rPr lang="en-US" b="1" dirty="0"/>
-              <a:t> </a:t>
-            </a:r>
-            <a:r>
-              <a:rPr lang="en-US" dirty="0"/>
-              <a:t>command is needed to initialize conda to the bash shell. When conda </a:t>
-            </a:r>
-            <a:r>
-              <a:rPr lang="en-US" b="1" dirty="0"/>
-              <a:t>creates</a:t>
-            </a:r>
-            <a:r>
-              <a:rPr lang="en-US" dirty="0"/>
-              <a:t> a new environment with a specific version of Python, Conda typically pulls executable binaries from its </a:t>
-            </a:r>
-            <a:r>
-              <a:rPr lang="en-US" b="1" dirty="0"/>
-              <a:t>anaconda repository</a:t>
-            </a:r>
-            <a:r>
-              <a:rPr lang="en-US" b="0" dirty="0"/>
-              <a:t> or a "channel" in the </a:t>
-            </a:r>
-            <a:r>
-              <a:rPr lang="en-US" b="0" dirty="0" err="1"/>
-              <a:t>Ananconda</a:t>
-            </a:r>
-            <a:r>
-              <a:rPr lang="en-US" b="0" dirty="0"/>
-              <a:t> cloud.</a:t>
-            </a:r>
-            <a:r>
-              <a:rPr lang="en-US" dirty="0"/>
-              <a:t> But to install kedro, Conda can still ask for a specific </a:t>
-            </a:r>
-            <a:r>
-              <a:rPr lang="en-US" b="1" dirty="0"/>
-              <a:t>version</a:t>
-            </a:r>
-            <a:r>
-              <a:rPr lang="en-US" dirty="0"/>
-              <a:t> of kedro to be download and installed by pip inside the environment.</a:t>
+              <a:t>/kedro</a:t>
             </a:r>
           </a:p>
           <a:p>
@@ -741,116 +557,17 @@
               <a:defRPr/>
             </a:pPr>
             <a:r>
-              <a:rPr lang="en-US" dirty="0"/>
-              <a:t>The</a:t>
-            </a:r>
-            <a:r>
-              <a:rPr lang="en-US" b="1" dirty="0"/>
-              <a:t> kedro-examples </a:t>
-            </a:r>
-            <a:r>
-              <a:rPr lang="en-US" dirty="0"/>
-              <a:t>repository is </a:t>
-            </a:r>
-            <a:r>
-              <a:rPr lang="en-US" b="1" dirty="0"/>
-              <a:t>cloned</a:t>
-            </a:r>
-            <a:r>
-              <a:rPr lang="en-US" dirty="0"/>
-              <a:t> by git into the environment. It contains several top-level folders.</a:t>
-            </a:r>
-          </a:p>
-          <a:p>
-            <a:pPr marL="0" marR="0" lvl="0" indent="0" algn="l" defTabSz="914400" rtl="0" eaLnBrk="1" fontAlgn="auto" latinLnBrk="0" hangingPunct="1">
-              <a:lnSpc>
-                <a:spcPct val="100000"/>
-              </a:lnSpc>
-              <a:spcBef>
-                <a:spcPts val="0"/>
-              </a:spcBef>
-              <a:spcAft>
-                <a:spcPts val="0"/>
-              </a:spcAft>
-              <a:buClrTx/>
-              <a:buSzTx/>
-              <a:buFontTx/>
-              <a:buNone/>
-              <a:tabLst/>
-              <a:defRPr/>
-            </a:pPr>
-            <a:r>
-              <a:rPr lang="en-US" dirty="0"/>
-              <a:t>The </a:t>
-            </a:r>
-            <a:r>
-              <a:rPr lang="en-US" b="1" dirty="0"/>
-              <a:t>kedro doc</a:t>
-            </a:r>
-            <a:r>
-              <a:rPr lang="en-US" dirty="0"/>
-              <a:t> command opens the documentation website in the default browser.</a:t>
-            </a:r>
-          </a:p>
-          <a:p>
-            <a:r>
-              <a:rPr lang="en-US" dirty="0"/>
-              <a:t>The </a:t>
-            </a:r>
-            <a:r>
-              <a:rPr lang="en-US" b="1" dirty="0"/>
-              <a:t>kedro test</a:t>
-            </a:r>
-            <a:r>
-              <a:rPr lang="en-US" dirty="0"/>
-              <a:t> command knows to run tests by invoking the </a:t>
-            </a:r>
-            <a:r>
-              <a:rPr lang="en-US" b="1" dirty="0" err="1"/>
-              <a:t>test_run.py</a:t>
-            </a:r>
-            <a:r>
-              <a:rPr lang="en-US" dirty="0"/>
-              <a:t> Python program.</a:t>
-            </a:r>
-          </a:p>
-          <a:p>
-            <a:r>
-              <a:rPr lang="en-US" dirty="0"/>
-              <a:t>The </a:t>
-            </a:r>
-            <a:r>
-              <a:rPr lang="en-US" b="1" dirty="0"/>
-              <a:t>kedro run</a:t>
-            </a:r>
-            <a:r>
-              <a:rPr lang="en-US" dirty="0"/>
-              <a:t> command library is mainly Python code and </a:t>
-            </a:r>
-            <a:r>
-              <a:rPr lang="en-US" dirty="0" err="1"/>
-              <a:t>Gerkhin</a:t>
-            </a:r>
-            <a:r>
-              <a:rPr lang="en-US" dirty="0"/>
-              <a:t> code for BDD testing.</a:t>
-            </a:r>
-          </a:p>
-          <a:p>
-            <a:r>
-              <a:rPr lang="en-US" dirty="0"/>
-              <a:t>The </a:t>
-            </a:r>
-            <a:r>
-              <a:rPr lang="en-US" b="1" dirty="0"/>
-              <a:t>kedro info</a:t>
-            </a:r>
-            <a:r>
-              <a:rPr lang="en-US" dirty="0"/>
-              <a:t> command reports the traceback for troubleshooting.</a:t>
-            </a:r>
-          </a:p>
-          <a:p>
+              <a:rPr lang="en-US" dirty="0">
+                <a:hlinkClick r:id="rId3"/>
+              </a:rPr>
+              <a:t>https://repo.continuum.io/pkgs</a:t>
+            </a:r>
+            <a:r>
+              <a:rPr lang="en-US">
+                <a:hlinkClick r:id="rId3"/>
+              </a:rPr>
+              <a:t>/</a:t>
+            </a:r>
             <a:endParaRPr lang="en-US" dirty="0"/>
           </a:p>
         </p:txBody>
@@ -1038,7 +755,7 @@
           <a:p>
             <a:fld id="{C694E442-AD53-564C-B976-2AF696E47AE3}" type="datetimeFigureOut">
               <a:rPr lang="en-US" smtClean="0"/>
-              <a:t>9/3/19</a:t>
+              <a:t>9/5/19</a:t>
             </a:fld>
             <a:endParaRPr lang="en-US"/>
           </a:p>
@@ -1236,7 +953,7 @@
           <a:p>
             <a:fld id="{C694E442-AD53-564C-B976-2AF696E47AE3}" type="datetimeFigureOut">
               <a:rPr lang="en-US" smtClean="0"/>
-              <a:t>9/3/19</a:t>
+              <a:t>9/5/19</a:t>
             </a:fld>
             <a:endParaRPr lang="en-US"/>
           </a:p>
@@ -1444,7 +1161,7 @@
           <a:p>
             <a:fld id="{C694E442-AD53-564C-B976-2AF696E47AE3}" type="datetimeFigureOut">
               <a:rPr lang="en-US" smtClean="0"/>
-              <a:t>9/3/19</a:t>
+              <a:t>9/5/19</a:t>
             </a:fld>
             <a:endParaRPr lang="en-US"/>
           </a:p>
@@ -1642,7 +1359,7 @@
           <a:p>
             <a:fld id="{C694E442-AD53-564C-B976-2AF696E47AE3}" type="datetimeFigureOut">
               <a:rPr lang="en-US" smtClean="0"/>
-              <a:t>9/3/19</a:t>
+              <a:t>9/5/19</a:t>
             </a:fld>
             <a:endParaRPr lang="en-US"/>
           </a:p>
@@ -1917,7 +1634,7 @@
           <a:p>
             <a:fld id="{C694E442-AD53-564C-B976-2AF696E47AE3}" type="datetimeFigureOut">
               <a:rPr lang="en-US" smtClean="0"/>
-              <a:t>9/3/19</a:t>
+              <a:t>9/5/19</a:t>
             </a:fld>
             <a:endParaRPr lang="en-US"/>
           </a:p>
@@ -2182,7 +1899,7 @@
           <a:p>
             <a:fld id="{C694E442-AD53-564C-B976-2AF696E47AE3}" type="datetimeFigureOut">
               <a:rPr lang="en-US" smtClean="0"/>
-              <a:t>9/3/19</a:t>
+              <a:t>9/5/19</a:t>
             </a:fld>
             <a:endParaRPr lang="en-US"/>
           </a:p>
@@ -2594,7 +2311,7 @@
           <a:p>
             <a:fld id="{C694E442-AD53-564C-B976-2AF696E47AE3}" type="datetimeFigureOut">
               <a:rPr lang="en-US" smtClean="0"/>
-              <a:t>9/3/19</a:t>
+              <a:t>9/5/19</a:t>
             </a:fld>
             <a:endParaRPr lang="en-US"/>
           </a:p>
@@ -2735,7 +2452,7 @@
           <a:p>
             <a:fld id="{C694E442-AD53-564C-B976-2AF696E47AE3}" type="datetimeFigureOut">
               <a:rPr lang="en-US" smtClean="0"/>
-              <a:t>9/3/19</a:t>
+              <a:t>9/5/19</a:t>
             </a:fld>
             <a:endParaRPr lang="en-US"/>
           </a:p>
@@ -2848,7 +2565,7 @@
           <a:p>
             <a:fld id="{C694E442-AD53-564C-B976-2AF696E47AE3}" type="datetimeFigureOut">
               <a:rPr lang="en-US" smtClean="0"/>
-              <a:t>9/3/19</a:t>
+              <a:t>9/5/19</a:t>
             </a:fld>
             <a:endParaRPr lang="en-US"/>
           </a:p>
@@ -3159,7 +2876,7 @@
           <a:p>
             <a:fld id="{C694E442-AD53-564C-B976-2AF696E47AE3}" type="datetimeFigureOut">
               <a:rPr lang="en-US" smtClean="0"/>
-              <a:t>9/3/19</a:t>
+              <a:t>9/5/19</a:t>
             </a:fld>
             <a:endParaRPr lang="en-US"/>
           </a:p>
@@ -3447,7 +3164,7 @@
           <a:p>
             <a:fld id="{C694E442-AD53-564C-B976-2AF696E47AE3}" type="datetimeFigureOut">
               <a:rPr lang="en-US" smtClean="0"/>
-              <a:t>9/3/19</a:t>
+              <a:t>9/5/19</a:t>
             </a:fld>
             <a:endParaRPr lang="en-US"/>
           </a:p>
@@ -3688,7 +3405,7 @@
           <a:p>
             <a:fld id="{C694E442-AD53-564C-B976-2AF696E47AE3}" type="datetimeFigureOut">
               <a:rPr lang="en-US" smtClean="0"/>
-              <a:t>9/3/19</a:t>
+              <a:t>9/5/19</a:t>
             </a:fld>
             <a:endParaRPr lang="en-US"/>
           </a:p>
@@ -4634,7 +4351,7 @@
         <p:spPr>
           <a:xfrm>
             <a:off x="5387596" y="5526372"/>
-            <a:ext cx="1084969" cy="416963"/>
+            <a:ext cx="2189542" cy="416963"/>
           </a:xfrm>
           <a:prstGeom prst="rect">
             <a:avLst/>
@@ -4670,13 +4387,13 @@
           <a:bodyPr rtlCol="0" anchor="t"/>
           <a:lstStyle/>
           <a:p>
-            <a:pPr algn="ctr"/>
+            <a:pPr algn="r"/>
             <a:r>
               <a:rPr lang="en-US" sz="1600" dirty="0">
                 <a:latin typeface="Arial Narrow" panose="020B0604020202020204" pitchFamily="34" charset="0"/>
                 <a:cs typeface="Arial Narrow" panose="020B0604020202020204" pitchFamily="34" charset="0"/>
               </a:rPr>
-              <a:t>Homebrew</a:t>
+              <a:t>homebrew-core</a:t>
             </a:r>
           </a:p>
         </p:txBody>
@@ -4770,7 +4487,7 @@
         </p:nvSpPr>
         <p:spPr>
           <a:xfrm rot="16200000">
-            <a:off x="2042933" y="3327201"/>
+            <a:off x="2051400" y="3293333"/>
             <a:ext cx="3581306" cy="369332"/>
           </a:xfrm>
           <a:prstGeom prst="rect">
@@ -5435,13 +5152,10 @@
           <a:lstStyle/>
           <a:p>
             <a:pPr algn="ctr"/>
-            <a:r>
-              <a:rPr lang="en-US" sz="1600" u="sng" dirty="0">
-                <a:latin typeface="Arial Narrow" panose="020B0604020202020204" pitchFamily="34" charset="0"/>
-                <a:cs typeface="Arial Narrow" panose="020B0604020202020204" pitchFamily="34" charset="0"/>
-              </a:rPr>
-              <a:t>data</a:t>
-            </a:r>
+            <a:endParaRPr lang="en-US" sz="1600" u="sng" dirty="0">
+              <a:latin typeface="Arial Narrow" panose="020B0604020202020204" pitchFamily="34" charset="0"/>
+              <a:cs typeface="Arial Narrow" panose="020B0604020202020204" pitchFamily="34" charset="0"/>
+            </a:endParaRPr>
           </a:p>
         </p:txBody>
       </p:sp>
@@ -5687,7 +5401,7 @@
         </p:nvSpPr>
         <p:spPr>
           <a:xfrm>
-            <a:off x="7235325" y="2715627"/>
+            <a:off x="7235325" y="2748877"/>
             <a:ext cx="436338" cy="369332"/>
           </a:xfrm>
           <a:prstGeom prst="rect">
@@ -6257,8 +5971,8 @@
         </p:nvSpPr>
         <p:spPr>
           <a:xfrm>
-            <a:off x="5909886" y="4742888"/>
-            <a:ext cx="2818400" cy="261610"/>
+            <a:off x="5962279" y="4723836"/>
+            <a:ext cx="2648482" cy="261610"/>
           </a:xfrm>
           <a:prstGeom prst="rect">
             <a:avLst/>
@@ -6279,7 +5993,7 @@
                 <a:latin typeface="Courier New" panose="02070309020205020404" pitchFamily="49" charset="0"/>
                 <a:cs typeface="Courier New" panose="02070309020205020404" pitchFamily="49" charset="0"/>
               </a:rPr>
-              <a:t>PATH="/usr/local/anaconda3/bin"</a:t>
+              <a:t>PATH /usr/local/anaconda3/bin</a:t>
             </a:r>
           </a:p>
         </p:txBody>
@@ -6302,8 +6016,8 @@
         </p:nvCxnSpPr>
         <p:spPr>
           <a:xfrm flipV="1">
-            <a:off x="6472565" y="5341506"/>
-            <a:ext cx="2852816" cy="393348"/>
+            <a:off x="7577138" y="5341506"/>
+            <a:ext cx="1748243" cy="393348"/>
           </a:xfrm>
           <a:prstGeom prst="bentConnector2">
             <a:avLst/>
@@ -6470,7 +6184,7 @@
         <p:spPr>
           <a:xfrm>
             <a:off x="4887867" y="4495427"/>
-            <a:ext cx="1024486" cy="502318"/>
+            <a:ext cx="1094308" cy="502318"/>
           </a:xfrm>
           <a:prstGeom prst="rect">
             <a:avLst/>
@@ -6506,14 +6220,11 @@
           <a:bodyPr rtlCol="0" anchor="t"/>
           <a:lstStyle/>
           <a:p>
-            <a:pPr algn="r"/>
-            <a:r>
-              <a:rPr lang="en-US" sz="1600" dirty="0">
-                <a:latin typeface="Arial Narrow" panose="020B0604020202020204" pitchFamily="34" charset="0"/>
-                <a:cs typeface="Arial Narrow" panose="020B0604020202020204" pitchFamily="34" charset="0"/>
-              </a:rPr>
-              <a:t>conda</a:t>
-            </a:r>
+            <a:pPr algn="ctr"/>
+            <a:endParaRPr lang="en-US" sz="1600" dirty="0">
+              <a:latin typeface="Arial Narrow" panose="020B0604020202020204" pitchFamily="34" charset="0"/>
+              <a:cs typeface="Arial Narrow" panose="020B0604020202020204" pitchFamily="34" charset="0"/>
+            </a:endParaRPr>
           </a:p>
         </p:txBody>
       </p:sp>
@@ -6531,8 +6242,8 @@
         </p:nvSpPr>
         <p:spPr>
           <a:xfrm>
-            <a:off x="4944332" y="4678593"/>
-            <a:ext cx="1032655" cy="338554"/>
+            <a:off x="4929921" y="4668380"/>
+            <a:ext cx="1013419" cy="338554"/>
           </a:xfrm>
           <a:prstGeom prst="rect">
             <a:avLst/>
@@ -6540,7 +6251,7 @@
           <a:noFill/>
         </p:spPr>
         <p:txBody>
-          <a:bodyPr wrap="none" rtlCol="0">
+          <a:bodyPr wrap="none" rtlCol="0" anchor="ctr">
             <a:spAutoFit/>
           </a:bodyPr>
           <a:lstStyle/>
@@ -6553,7 +6264,7 @@
                 <a:latin typeface="Arial Narrow" panose="020B0604020202020204" pitchFamily="34" charset="0"/>
                 <a:cs typeface="Arial Narrow" panose="020B0604020202020204" pitchFamily="34" charset="0"/>
               </a:rPr>
-              <a:t>(anaconda)</a:t>
+              <a:t>anaconda3</a:t>
             </a:r>
           </a:p>
         </p:txBody>
@@ -6911,7 +6622,7 @@
         </p:nvSpPr>
         <p:spPr>
           <a:xfrm>
-            <a:off x="9144015" y="2749666"/>
+            <a:off x="9144015" y="2748877"/>
             <a:ext cx="543740" cy="369332"/>
           </a:xfrm>
           <a:prstGeom prst="rect">
@@ -7158,7 +6869,7 @@
         </p:nvSpPr>
         <p:spPr>
           <a:xfrm>
-            <a:off x="10952984" y="2786195"/>
+            <a:off x="10952984" y="2748877"/>
             <a:ext cx="585417" cy="369332"/>
           </a:xfrm>
           <a:prstGeom prst="rect">
@@ -7238,14 +6949,13 @@
           </p:cNvPr>
           <p:cNvCxnSpPr>
             <a:cxnSpLocks/>
-            <a:stCxn id="44" idx="0"/>
           </p:cNvCxnSpPr>
           <p:nvPr/>
         </p:nvCxnSpPr>
         <p:spPr>
           <a:xfrm flipH="1" flipV="1">
             <a:off x="5706911" y="4976944"/>
-            <a:ext cx="223170" cy="549428"/>
+            <a:ext cx="5815" cy="593432"/>
           </a:xfrm>
           <a:prstGeom prst="straightConnector1">
             <a:avLst/>
@@ -7280,13 +6990,14 @@
           </p:cNvPr>
           <p:cNvCxnSpPr>
             <a:cxnSpLocks/>
+            <a:stCxn id="243" idx="3"/>
           </p:cNvCxnSpPr>
           <p:nvPr/>
         </p:nvCxnSpPr>
         <p:spPr>
           <a:xfrm flipV="1">
-            <a:off x="4345731" y="4991805"/>
-            <a:ext cx="824609" cy="757964"/>
+            <a:off x="4602481" y="4991806"/>
+            <a:ext cx="567859" cy="738882"/>
           </a:xfrm>
           <a:prstGeom prst="straightConnector1">
             <a:avLst/>
@@ -7456,151 +7167,6 @@
       </p:sp>
       <p:sp>
         <p:nvSpPr>
-          <p:cNvPr id="257" name="Rectangle 256">
-            <a:extLst>
-              <a:ext uri="{FF2B5EF4-FFF2-40B4-BE49-F238E27FC236}">
-                <a16:creationId xmlns:a16="http://schemas.microsoft.com/office/drawing/2014/main" id="{C204181B-BDD4-A64F-B10B-4E0B1A02F96B}"/>
-              </a:ext>
-            </a:extLst>
-          </p:cNvPr>
-          <p:cNvSpPr/>
-          <p:nvPr/>
-        </p:nvSpPr>
-        <p:spPr>
-          <a:xfrm>
-            <a:off x="6319607" y="4609865"/>
-            <a:ext cx="2478564" cy="261610"/>
-          </a:xfrm>
-          <a:prstGeom prst="rect">
-            <a:avLst/>
-          </a:prstGeom>
-        </p:spPr>
-        <p:txBody>
-          <a:bodyPr wrap="none">
-            <a:spAutoFit/>
-          </a:bodyPr>
-          <a:lstStyle/>
-          <a:p>
-            <a:r>
-              <a:rPr lang="en-US" sz="1100" dirty="0">
-                <a:solidFill>
-                  <a:schemeClr val="bg1"/>
-                </a:solidFill>
-                <a:effectLst/>
-                <a:latin typeface="Courier New" panose="02070309020205020404" pitchFamily="49" charset="0"/>
-                <a:cs typeface="Courier New" panose="02070309020205020404" pitchFamily="49" charset="0"/>
-              </a:rPr>
-              <a:t>"/usr/local/anaconda3/</a:t>
-            </a:r>
-            <a:r>
-              <a:rPr lang="en-US" sz="1100" dirty="0" err="1">
-                <a:solidFill>
-                  <a:schemeClr val="bg1"/>
-                </a:solidFill>
-                <a:effectLst/>
-                <a:latin typeface="Courier New" panose="02070309020205020404" pitchFamily="49" charset="0"/>
-                <a:cs typeface="Courier New" panose="02070309020205020404" pitchFamily="49" charset="0"/>
-              </a:rPr>
-              <a:t>envs</a:t>
-            </a:r>
-            <a:r>
-              <a:rPr lang="en-US" sz="1100" dirty="0">
-                <a:solidFill>
-                  <a:schemeClr val="bg1"/>
-                </a:solidFill>
-                <a:effectLst/>
-                <a:latin typeface="Courier New" panose="02070309020205020404" pitchFamily="49" charset="0"/>
-                <a:cs typeface="Courier New" panose="02070309020205020404" pitchFamily="49" charset="0"/>
-              </a:rPr>
-              <a:t>"</a:t>
-            </a:r>
-          </a:p>
-        </p:txBody>
-      </p:sp>
-      <p:cxnSp>
-        <p:nvCxnSpPr>
-          <p:cNvPr id="258" name="Straight Arrow Connector 257">
-            <a:extLst>
-              <a:ext uri="{FF2B5EF4-FFF2-40B4-BE49-F238E27FC236}">
-                <a16:creationId xmlns:a16="http://schemas.microsoft.com/office/drawing/2014/main" id="{7C113F4B-03A1-7C42-9CC4-6521621CA0E8}"/>
-              </a:ext>
-            </a:extLst>
-          </p:cNvPr>
-          <p:cNvCxnSpPr>
-            <a:cxnSpLocks/>
-          </p:cNvCxnSpPr>
-          <p:nvPr/>
-        </p:nvCxnSpPr>
-        <p:spPr>
-          <a:xfrm>
-            <a:off x="6935823" y="4451548"/>
-            <a:ext cx="6718" cy="194139"/>
-          </a:xfrm>
-          <a:prstGeom prst="straightConnector1">
-            <a:avLst/>
-          </a:prstGeom>
-          <a:ln>
-            <a:tailEnd type="triangle"/>
-          </a:ln>
-        </p:spPr>
-        <p:style>
-          <a:lnRef idx="1">
-            <a:schemeClr val="accent1"/>
-          </a:lnRef>
-          <a:fillRef idx="0">
-            <a:schemeClr val="accent1"/>
-          </a:fillRef>
-          <a:effectRef idx="0">
-            <a:schemeClr val="accent1"/>
-          </a:effectRef>
-          <a:fontRef idx="minor">
-            <a:schemeClr val="tx1"/>
-          </a:fontRef>
-        </p:style>
-      </p:cxnSp>
-      <p:cxnSp>
-        <p:nvCxnSpPr>
-          <p:cNvPr id="262" name="Straight Arrow Connector 261">
-            <a:extLst>
-              <a:ext uri="{FF2B5EF4-FFF2-40B4-BE49-F238E27FC236}">
-                <a16:creationId xmlns:a16="http://schemas.microsoft.com/office/drawing/2014/main" id="{BD3181DF-FDBD-2F4F-A154-B217D92F1321}"/>
-              </a:ext>
-            </a:extLst>
-          </p:cNvPr>
-          <p:cNvCxnSpPr>
-            <a:cxnSpLocks/>
-          </p:cNvCxnSpPr>
-          <p:nvPr/>
-        </p:nvCxnSpPr>
-        <p:spPr>
-          <a:xfrm flipV="1">
-            <a:off x="8687436" y="4372840"/>
-            <a:ext cx="1315305" cy="387432"/>
-          </a:xfrm>
-          <a:prstGeom prst="straightConnector1">
-            <a:avLst/>
-          </a:prstGeom>
-          <a:ln>
-            <a:tailEnd type="triangle"/>
-          </a:ln>
-        </p:spPr>
-        <p:style>
-          <a:lnRef idx="1">
-            <a:schemeClr val="accent1"/>
-          </a:lnRef>
-          <a:fillRef idx="0">
-            <a:schemeClr val="accent1"/>
-          </a:fillRef>
-          <a:effectRef idx="0">
-            <a:schemeClr val="accent1"/>
-          </a:effectRef>
-          <a:fontRef idx="minor">
-            <a:schemeClr val="tx1"/>
-          </a:fontRef>
-        </p:style>
-      </p:cxnSp>
-      <p:sp>
-        <p:nvSpPr>
           <p:cNvPr id="267" name="Rectangle 266">
             <a:extLst>
               <a:ext uri="{FF2B5EF4-FFF2-40B4-BE49-F238E27FC236}">
@@ -7717,6 +7283,181 @@
           </a:fontRef>
         </p:style>
       </p:cxnSp>
+      <p:sp>
+        <p:nvSpPr>
+          <p:cNvPr id="81" name="TextBox 80">
+            <a:extLst>
+              <a:ext uri="{FF2B5EF4-FFF2-40B4-BE49-F238E27FC236}">
+                <a16:creationId xmlns:a16="http://schemas.microsoft.com/office/drawing/2014/main" id="{29E8DC48-7E13-F340-BC22-08E44AC30CA4}"/>
+              </a:ext>
+            </a:extLst>
+          </p:cNvPr>
+          <p:cNvSpPr txBox="1"/>
+          <p:nvPr/>
+        </p:nvSpPr>
+        <p:spPr>
+          <a:xfrm>
+            <a:off x="5361533" y="5528850"/>
+            <a:ext cx="1050288" cy="338554"/>
+          </a:xfrm>
+          <a:prstGeom prst="rect">
+            <a:avLst/>
+          </a:prstGeom>
+          <a:noFill/>
+        </p:spPr>
+        <p:txBody>
+          <a:bodyPr wrap="none" rtlCol="0">
+            <a:spAutoFit/>
+          </a:bodyPr>
+          <a:lstStyle/>
+          <a:p>
+            <a:r>
+              <a:rPr lang="en-US" sz="1600" dirty="0" err="1">
+                <a:solidFill>
+                  <a:schemeClr val="bg1"/>
+                </a:solidFill>
+                <a:latin typeface="Arial Narrow" panose="020B0604020202020204" pitchFamily="34" charset="0"/>
+                <a:cs typeface="Arial Narrow" panose="020B0604020202020204" pitchFamily="34" charset="0"/>
+              </a:rPr>
+              <a:t>github.com</a:t>
+            </a:r>
+            <a:r>
+              <a:rPr lang="en-US" sz="1600" dirty="0">
+                <a:solidFill>
+                  <a:schemeClr val="bg1"/>
+                </a:solidFill>
+                <a:latin typeface="Arial Narrow" panose="020B0604020202020204" pitchFamily="34" charset="0"/>
+                <a:cs typeface="Arial Narrow" panose="020B0604020202020204" pitchFamily="34" charset="0"/>
+              </a:rPr>
+              <a:t>/</a:t>
+            </a:r>
+          </a:p>
+        </p:txBody>
+      </p:sp>
+      <p:sp>
+        <p:nvSpPr>
+          <p:cNvPr id="75" name="TextBox 74">
+            <a:extLst>
+              <a:ext uri="{FF2B5EF4-FFF2-40B4-BE49-F238E27FC236}">
+                <a16:creationId xmlns:a16="http://schemas.microsoft.com/office/drawing/2014/main" id="{4251AC4E-C5B1-0C4F-AB56-2DEBFA9DD1A4}"/>
+              </a:ext>
+            </a:extLst>
+          </p:cNvPr>
+          <p:cNvSpPr txBox="1"/>
+          <p:nvPr/>
+        </p:nvSpPr>
+        <p:spPr>
+          <a:xfrm>
+            <a:off x="10356770" y="2748877"/>
+            <a:ext cx="554960" cy="369332"/>
+          </a:xfrm>
+          <a:prstGeom prst="rect">
+            <a:avLst/>
+          </a:prstGeom>
+          <a:noFill/>
+        </p:spPr>
+        <p:txBody>
+          <a:bodyPr wrap="none" rtlCol="0">
+            <a:spAutoFit/>
+          </a:bodyPr>
+          <a:lstStyle/>
+          <a:p>
+            <a:pPr algn="ctr"/>
+            <a:r>
+              <a:rPr lang="en-US" u="sng" dirty="0">
+                <a:solidFill>
+                  <a:schemeClr val="bg1"/>
+                </a:solidFill>
+                <a:latin typeface="Arial Narrow" panose="020B0604020202020204" pitchFamily="34" charset="0"/>
+                <a:cs typeface="Arial Narrow" panose="020B0604020202020204" pitchFamily="34" charset="0"/>
+              </a:rPr>
+              <a:t>data</a:t>
+            </a:r>
+          </a:p>
+        </p:txBody>
+      </p:sp>
+      <p:sp>
+        <p:nvSpPr>
+          <p:cNvPr id="76" name="TextBox 75">
+            <a:extLst>
+              <a:ext uri="{FF2B5EF4-FFF2-40B4-BE49-F238E27FC236}">
+                <a16:creationId xmlns:a16="http://schemas.microsoft.com/office/drawing/2014/main" id="{FC30915D-3E32-7442-A2DB-79C72611EAD9}"/>
+              </a:ext>
+            </a:extLst>
+          </p:cNvPr>
+          <p:cNvSpPr txBox="1"/>
+          <p:nvPr/>
+        </p:nvSpPr>
+        <p:spPr>
+          <a:xfrm>
+            <a:off x="5211985" y="4432763"/>
+            <a:ext cx="641522" cy="338554"/>
+          </a:xfrm>
+          <a:prstGeom prst="rect">
+            <a:avLst/>
+          </a:prstGeom>
+          <a:noFill/>
+        </p:spPr>
+        <p:txBody>
+          <a:bodyPr wrap="none" rtlCol="0">
+            <a:spAutoFit/>
+          </a:bodyPr>
+          <a:lstStyle/>
+          <a:p>
+            <a:r>
+              <a:rPr lang="en-US" sz="1600" dirty="0">
+                <a:solidFill>
+                  <a:schemeClr val="bg1"/>
+                </a:solidFill>
+                <a:latin typeface="Arial Narrow" panose="020B0604020202020204" pitchFamily="34" charset="0"/>
+                <a:cs typeface="Arial Narrow" panose="020B0604020202020204" pitchFamily="34" charset="0"/>
+              </a:rPr>
+              <a:t>conda</a:t>
+            </a:r>
+          </a:p>
+        </p:txBody>
+      </p:sp>
+      <p:sp>
+        <p:nvSpPr>
+          <p:cNvPr id="79" name="Rectangle 78">
+            <a:extLst>
+              <a:ext uri="{FF2B5EF4-FFF2-40B4-BE49-F238E27FC236}">
+                <a16:creationId xmlns:a16="http://schemas.microsoft.com/office/drawing/2014/main" id="{AF39E824-845D-1543-9B78-F6F6EC5866E0}"/>
+              </a:ext>
+            </a:extLst>
+          </p:cNvPr>
+          <p:cNvSpPr/>
+          <p:nvPr/>
+        </p:nvSpPr>
+        <p:spPr>
+          <a:xfrm>
+            <a:off x="5951193" y="4491338"/>
+            <a:ext cx="1410266" cy="261610"/>
+          </a:xfrm>
+          <a:prstGeom prst="rect">
+            <a:avLst/>
+          </a:prstGeom>
+        </p:spPr>
+        <p:txBody>
+          <a:bodyPr wrap="square">
+            <a:spAutoFit/>
+          </a:bodyPr>
+          <a:lstStyle/>
+          <a:p>
+            <a:r>
+              <a:rPr lang="en-US" sz="1100" dirty="0">
+                <a:solidFill>
+                  <a:schemeClr val="bg1"/>
+                </a:solidFill>
+                <a:effectLst/>
+                <a:latin typeface="Courier New" panose="02070309020205020404" pitchFamily="49" charset="0"/>
+                <a:cs typeface="Courier New" panose="02070309020205020404" pitchFamily="49" charset="0"/>
+              </a:rPr>
+              <a:t>$HOME/.condarc</a:t>
+            </a:r>
+          </a:p>
+        </p:txBody>
+      </p:sp>
     </p:spTree>
     <p:extLst>
       <p:ext uri="{BB962C8B-B14F-4D97-AF65-F5344CB8AC3E}">
@@ -7923,7 +7664,7 @@
                                           </p:stCondLst>
                                         </p:cTn>
                                         <p:tgtEl>
-                                          <p:spTgt spid="46"/>
+                                          <p:spTgt spid="20"/>
                                         </p:tgtEl>
                                         <p:attrNameLst>
                                           <p:attrName>style.visibility</p:attrName>
@@ -7968,7 +7709,7 @@
                                           </p:stCondLst>
                                         </p:cTn>
                                         <p:tgtEl>
-                                          <p:spTgt spid="20"/>
+                                          <p:spTgt spid="46"/>
                                         </p:tgtEl>
                                         <p:attrNameLst>
                                           <p:attrName>style.visibility</p:attrName>
@@ -8377,6 +8118,33 @@
                                   </p:childTnLst>
                                 </p:cTn>
                               </p:par>
+                              <p:par>
+                                <p:cTn id="59" presetID="1" presetClass="entr" presetSubtype="0" fill="hold" grpId="0" nodeType="withEffect">
+                                  <p:stCondLst>
+                                    <p:cond delay="0"/>
+                                  </p:stCondLst>
+                                  <p:childTnLst>
+                                    <p:set>
+                                      <p:cBhvr>
+                                        <p:cTn id="60" dur="1" fill="hold">
+                                          <p:stCondLst>
+                                            <p:cond delay="0"/>
+                                          </p:stCondLst>
+                                        </p:cTn>
+                                        <p:tgtEl>
+                                          <p:spTgt spid="76"/>
+                                        </p:tgtEl>
+                                        <p:attrNameLst>
+                                          <p:attrName>style.visibility</p:attrName>
+                                        </p:attrNameLst>
+                                      </p:cBhvr>
+                                      <p:to>
+                                        <p:strVal val="visible"/>
+                                      </p:to>
+                                    </p:set>
+                                  </p:childTnLst>
+                                </p:cTn>
+                              </p:par>
                             </p:childTnLst>
                           </p:cTn>
                         </p:par>
@@ -8384,26 +8152,26 @@
                     </p:cTn>
                   </p:par>
                   <p:par>
-                    <p:cTn id="59" fill="hold">
+                    <p:cTn id="61" fill="hold">
                       <p:stCondLst>
                         <p:cond delay="indefinite"/>
                       </p:stCondLst>
                       <p:childTnLst>
                         <p:par>
-                          <p:cTn id="60" fill="hold">
+                          <p:cTn id="62" fill="hold">
                             <p:stCondLst>
                               <p:cond delay="0"/>
                             </p:stCondLst>
                             <p:childTnLst>
                               <p:par>
-                                <p:cTn id="61" presetID="1" presetClass="entr" presetSubtype="0" fill="hold" grpId="0" nodeType="clickEffect">
+                                <p:cTn id="63" presetID="1" presetClass="entr" presetSubtype="0" fill="hold" grpId="0" nodeType="clickEffect">
                                   <p:stCondLst>
                                     <p:cond delay="0"/>
                                   </p:stCondLst>
                                   <p:childTnLst>
                                     <p:set>
                                       <p:cBhvr>
-                                        <p:cTn id="62" dur="1" fill="hold">
+                                        <p:cTn id="64" dur="1" fill="hold">
                                           <p:stCondLst>
                                             <p:cond delay="0"/>
                                           </p:stCondLst>
@@ -8429,32 +8197,32 @@
                     </p:cTn>
                   </p:par>
                   <p:par>
-                    <p:cTn id="63" fill="hold">
+                    <p:cTn id="65" fill="hold">
                       <p:stCondLst>
                         <p:cond delay="indefinite"/>
                       </p:stCondLst>
                       <p:childTnLst>
                         <p:par>
-                          <p:cTn id="64" fill="hold">
+                          <p:cTn id="66" fill="hold">
                             <p:stCondLst>
                               <p:cond delay="0"/>
                             </p:stCondLst>
                             <p:childTnLst>
                               <p:par>
-                                <p:cTn id="65" presetID="1" presetClass="entr" presetSubtype="0" fill="hold" grpId="0" nodeType="clickEffect">
+                                <p:cTn id="67" presetID="1" presetClass="entr" presetSubtype="0" fill="hold" grpId="0" nodeType="clickEffect">
                                   <p:stCondLst>
                                     <p:cond delay="0"/>
                                   </p:stCondLst>
                                   <p:childTnLst>
                                     <p:set>
                                       <p:cBhvr>
-                                        <p:cTn id="66" dur="1" fill="hold">
+                                        <p:cTn id="68" dur="1" fill="hold">
                                           <p:stCondLst>
                                             <p:cond delay="0"/>
                                           </p:stCondLst>
                                         </p:cTn>
                                         <p:tgtEl>
-                                          <p:spTgt spid="127"/>
+                                          <p:spTgt spid="37"/>
                                         </p:tgtEl>
                                         <p:attrNameLst>
                                           <p:attrName>style.visibility</p:attrName>
@@ -8467,26 +8235,8 @@
                                   </p:childTnLst>
                                 </p:cTn>
                               </p:par>
-                            </p:childTnLst>
-                          </p:cTn>
-                        </p:par>
-                      </p:childTnLst>
-                    </p:cTn>
-                  </p:par>
-                  <p:par>
-                    <p:cTn id="67" fill="hold">
-                      <p:stCondLst>
-                        <p:cond delay="indefinite"/>
-                      </p:stCondLst>
-                      <p:childTnLst>
-                        <p:par>
-                          <p:cTn id="68" fill="hold">
-                            <p:stCondLst>
-                              <p:cond delay="0"/>
-                            </p:stCondLst>
-                            <p:childTnLst>
                               <p:par>
-                                <p:cTn id="69" presetID="1" presetClass="entr" presetSubtype="0" fill="hold" nodeType="clickEffect">
+                                <p:cTn id="69" presetID="1" presetClass="entr" presetSubtype="0" fill="hold" nodeType="withEffect">
                                   <p:stCondLst>
                                     <p:cond delay="0"/>
                                   </p:stCondLst>
@@ -8526,7 +8276,7 @@
                                           </p:stCondLst>
                                         </p:cTn>
                                         <p:tgtEl>
-                                          <p:spTgt spid="37"/>
+                                          <p:spTgt spid="127"/>
                                         </p:tgtEl>
                                         <p:attrNameLst>
                                           <p:attrName>style.visibility</p:attrName>
@@ -8625,33 +8375,6 @@
                                           </p:stCondLst>
                                         </p:cTn>
                                         <p:tgtEl>
-                                          <p:spTgt spid="175"/>
-                                        </p:tgtEl>
-                                        <p:attrNameLst>
-                                          <p:attrName>style.visibility</p:attrName>
-                                        </p:attrNameLst>
-                                      </p:cBhvr>
-                                      <p:to>
-                                        <p:strVal val="visible"/>
-                                      </p:to>
-                                    </p:set>
-                                  </p:childTnLst>
-                                </p:cTn>
-                              </p:par>
-                              <p:par>
-                                <p:cTn id="81" presetID="1" presetClass="entr" presetSubtype="0" fill="hold" grpId="0" nodeType="withEffect">
-                                  <p:stCondLst>
-                                    <p:cond delay="0"/>
-                                  </p:stCondLst>
-                                  <p:childTnLst>
-                                    <p:set>
-                                      <p:cBhvr>
-                                        <p:cTn id="82" dur="1" fill="hold">
-                                          <p:stCondLst>
-                                            <p:cond delay="0"/>
-                                          </p:stCondLst>
-                                        </p:cTn>
-                                        <p:tgtEl>
                                           <p:spTgt spid="44"/>
                                         </p:tgtEl>
                                         <p:attrNameLst>
@@ -8672,26 +8395,116 @@
                     </p:cTn>
                   </p:par>
                   <p:par>
-                    <p:cTn id="83" fill="hold">
+                    <p:cTn id="81" fill="hold">
                       <p:stCondLst>
                         <p:cond delay="indefinite"/>
                       </p:stCondLst>
                       <p:childTnLst>
                         <p:par>
-                          <p:cTn id="84" fill="hold">
+                          <p:cTn id="82" fill="hold">
                             <p:stCondLst>
                               <p:cond delay="0"/>
                             </p:stCondLst>
                             <p:childTnLst>
                               <p:par>
-                                <p:cTn id="85" presetID="1" presetClass="entr" presetSubtype="0" fill="hold" nodeType="clickEffect">
+                                <p:cTn id="83" presetID="1" presetClass="entr" presetSubtype="0" fill="hold" grpId="0" nodeType="clickEffect">
                                   <p:stCondLst>
                                     <p:cond delay="0"/>
                                   </p:stCondLst>
                                   <p:childTnLst>
                                     <p:set>
                                       <p:cBhvr>
-                                        <p:cTn id="86" dur="1" fill="hold">
+                                        <p:cTn id="84" dur="1" fill="hold">
+                                          <p:stCondLst>
+                                            <p:cond delay="0"/>
+                                          </p:stCondLst>
+                                        </p:cTn>
+                                        <p:tgtEl>
+                                          <p:spTgt spid="81"/>
+                                        </p:tgtEl>
+                                        <p:attrNameLst>
+                                          <p:attrName>style.visibility</p:attrName>
+                                        </p:attrNameLst>
+                                      </p:cBhvr>
+                                      <p:to>
+                                        <p:strVal val="visible"/>
+                                      </p:to>
+                                    </p:set>
+                                  </p:childTnLst>
+                                </p:cTn>
+                              </p:par>
+                            </p:childTnLst>
+                          </p:cTn>
+                        </p:par>
+                      </p:childTnLst>
+                    </p:cTn>
+                  </p:par>
+                  <p:par>
+                    <p:cTn id="85" fill="hold">
+                      <p:stCondLst>
+                        <p:cond delay="indefinite"/>
+                      </p:stCondLst>
+                      <p:childTnLst>
+                        <p:par>
+                          <p:cTn id="86" fill="hold">
+                            <p:stCondLst>
+                              <p:cond delay="0"/>
+                            </p:stCondLst>
+                            <p:childTnLst>
+                              <p:par>
+                                <p:cTn id="87" presetID="1" presetClass="entr" presetSubtype="0" fill="hold" grpId="0" nodeType="clickEffect">
+                                  <p:stCondLst>
+                                    <p:cond delay="0"/>
+                                  </p:stCondLst>
+                                  <p:childTnLst>
+                                    <p:set>
+                                      <p:cBhvr>
+                                        <p:cTn id="88" dur="1" fill="hold">
+                                          <p:stCondLst>
+                                            <p:cond delay="0"/>
+                                          </p:stCondLst>
+                                        </p:cTn>
+                                        <p:tgtEl>
+                                          <p:spTgt spid="175"/>
+                                        </p:tgtEl>
+                                        <p:attrNameLst>
+                                          <p:attrName>style.visibility</p:attrName>
+                                        </p:attrNameLst>
+                                      </p:cBhvr>
+                                      <p:to>
+                                        <p:strVal val="visible"/>
+                                      </p:to>
+                                    </p:set>
+                                  </p:childTnLst>
+                                </p:cTn>
+                              </p:par>
+                            </p:childTnLst>
+                          </p:cTn>
+                        </p:par>
+                      </p:childTnLst>
+                    </p:cTn>
+                  </p:par>
+                  <p:par>
+                    <p:cTn id="89" fill="hold">
+                      <p:stCondLst>
+                        <p:cond delay="indefinite"/>
+                      </p:stCondLst>
+                      <p:childTnLst>
+                        <p:par>
+                          <p:cTn id="90" fill="hold">
+                            <p:stCondLst>
+                              <p:cond delay="0"/>
+                            </p:stCondLst>
+                            <p:childTnLst>
+                              <p:par>
+                                <p:cTn id="91" presetID="1" presetClass="entr" presetSubtype="0" fill="hold" nodeType="clickEffect">
+                                  <p:stCondLst>
+                                    <p:cond delay="0"/>
+                                  </p:stCondLst>
+                                  <p:childTnLst>
+                                    <p:set>
+                                      <p:cBhvr>
+                                        <p:cTn id="92" dur="1" fill="hold">
                                           <p:stCondLst>
                                             <p:cond delay="0"/>
                                           </p:stCondLst>
@@ -8711,14 +8524,14 @@
                                 </p:cTn>
                               </p:par>
                               <p:par>
-                                <p:cTn id="87" presetID="1" presetClass="entr" presetSubtype="0" fill="hold" grpId="0" nodeType="withEffect">
+                                <p:cTn id="93" presetID="1" presetClass="entr" presetSubtype="0" fill="hold" grpId="0" nodeType="withEffect">
                                   <p:stCondLst>
                                     <p:cond delay="0"/>
                                   </p:stCondLst>
                                   <p:childTnLst>
                                     <p:set>
                                       <p:cBhvr>
-                                        <p:cTn id="88" dur="1" fill="hold">
+                                        <p:cTn id="94" dur="1" fill="hold">
                                           <p:stCondLst>
                                             <p:cond delay="0"/>
                                           </p:stCondLst>
@@ -8738,14 +8551,14 @@
                                 </p:cTn>
                               </p:par>
                               <p:par>
-                                <p:cTn id="89" presetID="1" presetClass="entr" presetSubtype="0" fill="hold" grpId="0" nodeType="withEffect">
+                                <p:cTn id="95" presetID="1" presetClass="entr" presetSubtype="0" fill="hold" grpId="0" nodeType="withEffect">
                                   <p:stCondLst>
                                     <p:cond delay="0"/>
                                   </p:stCondLst>
                                   <p:childTnLst>
                                     <p:set>
                                       <p:cBhvr>
-                                        <p:cTn id="90" dur="1" fill="hold">
+                                        <p:cTn id="96" dur="1" fill="hold">
                                           <p:stCondLst>
                                             <p:cond delay="0"/>
                                           </p:stCondLst>
@@ -8771,91 +8584,19 @@
                     </p:cTn>
                   </p:par>
                   <p:par>
-                    <p:cTn id="91" fill="hold">
+                    <p:cTn id="97" fill="hold">
                       <p:stCondLst>
                         <p:cond delay="indefinite"/>
                       </p:stCondLst>
                       <p:childTnLst>
                         <p:par>
-                          <p:cTn id="92" fill="hold">
+                          <p:cTn id="98" fill="hold">
                             <p:stCondLst>
                               <p:cond delay="0"/>
                             </p:stCondLst>
                             <p:childTnLst>
                               <p:par>
-                                <p:cTn id="93" presetID="1" presetClass="entr" presetSubtype="0" fill="hold" nodeType="clickEffect">
-                                  <p:stCondLst>
-                                    <p:cond delay="0"/>
-                                  </p:stCondLst>
-                                  <p:childTnLst>
-                                    <p:set>
-                                      <p:cBhvr>
-                                        <p:cTn id="94" dur="1" fill="hold">
-                                          <p:stCondLst>
-                                            <p:cond delay="0"/>
-                                          </p:stCondLst>
-                                        </p:cTn>
-                                        <p:tgtEl>
-                                          <p:spTgt spid="73"/>
-                                        </p:tgtEl>
-                                        <p:attrNameLst>
-                                          <p:attrName>style.visibility</p:attrName>
-                                        </p:attrNameLst>
-                                      </p:cBhvr>
-                                      <p:to>
-                                        <p:strVal val="visible"/>
-                                      </p:to>
-                                    </p:set>
-                                  </p:childTnLst>
-                                </p:cTn>
-                              </p:par>
-                            </p:childTnLst>
-                          </p:cTn>
-                        </p:par>
-                      </p:childTnLst>
-                    </p:cTn>
-                  </p:par>
-                  <p:par>
-                    <p:cTn id="95" fill="hold">
-                      <p:stCondLst>
-                        <p:cond delay="indefinite"/>
-                      </p:stCondLst>
-                      <p:childTnLst>
-                        <p:par>
-                          <p:cTn id="96" fill="hold">
-                            <p:stCondLst>
-                              <p:cond delay="0"/>
-                            </p:stCondLst>
-                            <p:childTnLst>
-                              <p:par>
-                                <p:cTn id="97" presetID="1" presetClass="entr" presetSubtype="0" fill="hold" nodeType="clickEffect">
-                                  <p:stCondLst>
-                                    <p:cond delay="0"/>
-                                  </p:stCondLst>
-                                  <p:childTnLst>
-                                    <p:set>
-                                      <p:cBhvr>
-                                        <p:cTn id="98" dur="1" fill="hold">
-                                          <p:stCondLst>
-                                            <p:cond delay="0"/>
-                                          </p:stCondLst>
-                                        </p:cTn>
-                                        <p:tgtEl>
-                                          <p:spTgt spid="97"/>
-                                        </p:tgtEl>
-                                        <p:attrNameLst>
-                                          <p:attrName>style.visibility</p:attrName>
-                                        </p:attrNameLst>
-                                      </p:cBhvr>
-                                      <p:to>
-                                        <p:strVal val="visible"/>
-                                      </p:to>
-                                    </p:set>
-                                  </p:childTnLst>
-                                </p:cTn>
-                              </p:par>
-                              <p:par>
-                                <p:cTn id="99" presetID="1" presetClass="entr" presetSubtype="0" fill="hold" grpId="0" nodeType="withEffect">
+                                <p:cTn id="99" presetID="1" presetClass="entr" presetSubtype="0" fill="hold" nodeType="clickEffect">
                                   <p:stCondLst>
                                     <p:cond delay="0"/>
                                   </p:stCondLst>
@@ -8868,7 +8609,7 @@
                                           </p:stCondLst>
                                         </p:cTn>
                                         <p:tgtEl>
-                                          <p:spTgt spid="117"/>
+                                          <p:spTgt spid="73"/>
                                         </p:tgtEl>
                                         <p:attrNameLst>
                                           <p:attrName>style.visibility</p:attrName>
@@ -8900,7 +8641,7 @@
                             </p:stCondLst>
                             <p:childTnLst>
                               <p:par>
-                                <p:cTn id="103" presetID="1" presetClass="entr" presetSubtype="0" fill="hold" nodeType="clickEffect">
+                                <p:cTn id="103" presetID="1" presetClass="entr" presetSubtype="0" fill="hold" grpId="0" nodeType="clickEffect">
                                   <p:stCondLst>
                                     <p:cond delay="0"/>
                                   </p:stCondLst>
@@ -8913,7 +8654,7 @@
                                           </p:stCondLst>
                                         </p:cTn>
                                         <p:tgtEl>
-                                          <p:spTgt spid="120"/>
+                                          <p:spTgt spid="79"/>
                                         </p:tgtEl>
                                         <p:attrNameLst>
                                           <p:attrName>style.visibility</p:attrName>
@@ -8926,35 +8667,26 @@
                                   </p:childTnLst>
                                 </p:cTn>
                               </p:par>
+                            </p:childTnLst>
+                          </p:cTn>
+                        </p:par>
+                      </p:childTnLst>
+                    </p:cTn>
+                  </p:par>
+                  <p:par>
+                    <p:cTn id="105" fill="hold">
+                      <p:stCondLst>
+                        <p:cond delay="indefinite"/>
+                      </p:stCondLst>
+                      <p:childTnLst>
+                        <p:par>
+                          <p:cTn id="106" fill="hold">
+                            <p:stCondLst>
+                              <p:cond delay="0"/>
+                            </p:stCondLst>
+                            <p:childTnLst>
                               <p:par>
-                                <p:cTn id="105" presetID="1" presetClass="entr" presetSubtype="0" fill="hold" grpId="0" nodeType="withEffect">
-                                  <p:stCondLst>
-                                    <p:cond delay="0"/>
-                                  </p:stCondLst>
-                                  <p:childTnLst>
-                                    <p:set>
-                                      <p:cBhvr>
-                                        <p:cTn id="106" dur="1" fill="hold">
-                                          <p:stCondLst>
-                                            <p:cond delay="0"/>
-                                          </p:stCondLst>
-                                        </p:cTn>
-                                        <p:tgtEl>
-                                          <p:spTgt spid="218"/>
-                                        </p:tgtEl>
-                                        <p:attrNameLst>
-                                          <p:attrName>style.visibility</p:attrName>
-                                        </p:attrNameLst>
-                                      </p:cBhvr>
-                                      <p:to>
-                                        <p:strVal val="visible"/>
-                                      </p:to>
-                                    </p:set>
-                                  </p:childTnLst>
-                                </p:cTn>
-                              </p:par>
-                              <p:par>
-                                <p:cTn id="107" presetID="1" presetClass="entr" presetSubtype="0" fill="hold" nodeType="withEffect">
+                                <p:cTn id="107" presetID="1" presetClass="entr" presetSubtype="0" fill="hold" nodeType="clickEffect">
                                   <p:stCondLst>
                                     <p:cond delay="0"/>
                                   </p:stCondLst>
@@ -8967,7 +8699,7 @@
                                           </p:stCondLst>
                                         </p:cTn>
                                         <p:tgtEl>
-                                          <p:spTgt spid="244"/>
+                                          <p:spTgt spid="97"/>
                                         </p:tgtEl>
                                         <p:attrNameLst>
                                           <p:attrName>style.visibility</p:attrName>
@@ -8994,7 +8726,7 @@
                                           </p:stCondLst>
                                         </p:cTn>
                                         <p:tgtEl>
-                                          <p:spTgt spid="243"/>
+                                          <p:spTgt spid="117"/>
                                         </p:tgtEl>
                                         <p:attrNameLst>
                                           <p:attrName>style.visibility</p:attrName>
@@ -9039,7 +8771,7 @@
                                           </p:stCondLst>
                                         </p:cTn>
                                         <p:tgtEl>
-                                          <p:spTgt spid="258"/>
+                                          <p:spTgt spid="120"/>
                                         </p:tgtEl>
                                         <p:attrNameLst>
                                           <p:attrName>style.visibility</p:attrName>
@@ -9066,7 +8798,7 @@
                                           </p:stCondLst>
                                         </p:cTn>
                                         <p:tgtEl>
-                                          <p:spTgt spid="257"/>
+                                          <p:spTgt spid="218"/>
                                         </p:tgtEl>
                                         <p:attrNameLst>
                                           <p:attrName>style.visibility</p:attrName>
@@ -9079,26 +8811,35 @@
                                   </p:childTnLst>
                                 </p:cTn>
                               </p:par>
-                            </p:childTnLst>
-                          </p:cTn>
-                        </p:par>
-                      </p:childTnLst>
-                    </p:cTn>
-                  </p:par>
-                  <p:par>
-                    <p:cTn id="117" fill="hold">
-                      <p:stCondLst>
-                        <p:cond delay="indefinite"/>
-                      </p:stCondLst>
-                      <p:childTnLst>
-                        <p:par>
-                          <p:cTn id="118" fill="hold">
-                            <p:stCondLst>
-                              <p:cond delay="0"/>
-                            </p:stCondLst>
-                            <p:childTnLst>
                               <p:par>
-                                <p:cTn id="119" presetID="1" presetClass="entr" presetSubtype="0" fill="hold" nodeType="clickEffect">
+                                <p:cTn id="117" presetID="1" presetClass="entr" presetSubtype="0" fill="hold" nodeType="withEffect">
+                                  <p:stCondLst>
+                                    <p:cond delay="0"/>
+                                  </p:stCondLst>
+                                  <p:childTnLst>
+                                    <p:set>
+                                      <p:cBhvr>
+                                        <p:cTn id="118" dur="1" fill="hold">
+                                          <p:stCondLst>
+                                            <p:cond delay="0"/>
+                                          </p:stCondLst>
+                                        </p:cTn>
+                                        <p:tgtEl>
+                                          <p:spTgt spid="244"/>
+                                        </p:tgtEl>
+                                        <p:attrNameLst>
+                                          <p:attrName>style.visibility</p:attrName>
+                                        </p:attrNameLst>
+                                      </p:cBhvr>
+                                      <p:to>
+                                        <p:strVal val="visible"/>
+                                      </p:to>
+                                    </p:set>
+                                  </p:childTnLst>
+                                </p:cTn>
+                              </p:par>
+                              <p:par>
+                                <p:cTn id="119" presetID="1" presetClass="entr" presetSubtype="0" fill="hold" grpId="0" nodeType="withEffect">
                                   <p:stCondLst>
                                     <p:cond delay="0"/>
                                   </p:stCondLst>
@@ -9111,7 +8852,7 @@
                                           </p:stCondLst>
                                         </p:cTn>
                                         <p:tgtEl>
-                                          <p:spTgt spid="262"/>
+                                          <p:spTgt spid="243"/>
                                         </p:tgtEl>
                                         <p:attrNameLst>
                                           <p:attrName>style.visibility</p:attrName>
@@ -9561,7 +9302,7 @@
                                           </p:stCondLst>
                                         </p:cTn>
                                         <p:tgtEl>
-                                          <p:spTgt spid="230"/>
+                                          <p:spTgt spid="75"/>
                                         </p:tgtEl>
                                         <p:attrNameLst>
                                           <p:attrName>style.visibility</p:attrName>
@@ -9601,15 +9342,60 @@
                                   </p:childTnLst>
                                 </p:cTn>
                               </p:par>
+                            </p:childTnLst>
+                          </p:cTn>
+                        </p:par>
+                      </p:childTnLst>
+                    </p:cTn>
+                  </p:par>
+                  <p:par>
+                    <p:cTn id="159" fill="hold">
+                      <p:stCondLst>
+                        <p:cond delay="indefinite"/>
+                      </p:stCondLst>
+                      <p:childTnLst>
+                        <p:par>
+                          <p:cTn id="160" fill="hold">
+                            <p:stCondLst>
+                              <p:cond delay="0"/>
+                            </p:stCondLst>
+                            <p:childTnLst>
                               <p:par>
-                                <p:cTn id="159" presetID="1" presetClass="entr" presetSubtype="0" fill="hold" grpId="0" nodeType="withEffect">
+                                <p:cTn id="161" presetID="1" presetClass="entr" presetSubtype="0" fill="hold" grpId="0" nodeType="clickEffect">
                                   <p:stCondLst>
                                     <p:cond delay="0"/>
                                   </p:stCondLst>
                                   <p:childTnLst>
                                     <p:set>
                                       <p:cBhvr>
-                                        <p:cTn id="160" dur="1" fill="hold">
+                                        <p:cTn id="162" dur="1" fill="hold">
+                                          <p:stCondLst>
+                                            <p:cond delay="0"/>
+                                          </p:stCondLst>
+                                        </p:cTn>
+                                        <p:tgtEl>
+                                          <p:spTgt spid="230"/>
+                                        </p:tgtEl>
+                                        <p:attrNameLst>
+                                          <p:attrName>style.visibility</p:attrName>
+                                        </p:attrNameLst>
+                                      </p:cBhvr>
+                                      <p:to>
+                                        <p:strVal val="visible"/>
+                                      </p:to>
+                                    </p:set>
+                                  </p:childTnLst>
+                                </p:cTn>
+                              </p:par>
+                              <p:par>
+                                <p:cTn id="163" presetID="1" presetClass="entr" presetSubtype="0" fill="hold" grpId="0" nodeType="withEffect">
+                                  <p:stCondLst>
+                                    <p:cond delay="0"/>
+                                  </p:stCondLst>
+                                  <p:childTnLst>
+                                    <p:set>
+                                      <p:cBhvr>
+                                        <p:cTn id="164" dur="1" fill="hold">
                                           <p:stCondLst>
                                             <p:cond delay="0"/>
                                           </p:stCondLst>
@@ -9629,14 +9415,14 @@
                                 </p:cTn>
                               </p:par>
                               <p:par>
-                                <p:cTn id="161" presetID="1" presetClass="entr" presetSubtype="0" fill="hold" grpId="0" nodeType="withEffect">
+                                <p:cTn id="165" presetID="1" presetClass="entr" presetSubtype="0" fill="hold" grpId="0" nodeType="withEffect">
                                   <p:stCondLst>
                                     <p:cond delay="0"/>
                                   </p:stCondLst>
                                   <p:childTnLst>
                                     <p:set>
                                       <p:cBhvr>
-                                        <p:cTn id="162" dur="1" fill="hold">
+                                        <p:cTn id="166" dur="1" fill="hold">
                                           <p:stCondLst>
                                             <p:cond delay="0"/>
                                           </p:stCondLst>
@@ -9662,26 +9448,26 @@
                     </p:cTn>
                   </p:par>
                   <p:par>
-                    <p:cTn id="163" fill="hold">
+                    <p:cTn id="167" fill="hold">
                       <p:stCondLst>
                         <p:cond delay="indefinite"/>
                       </p:stCondLst>
                       <p:childTnLst>
                         <p:par>
-                          <p:cTn id="164" fill="hold">
+                          <p:cTn id="168" fill="hold">
                             <p:stCondLst>
                               <p:cond delay="0"/>
                             </p:stCondLst>
                             <p:childTnLst>
                               <p:par>
-                                <p:cTn id="165" presetID="1" presetClass="entr" presetSubtype="0" fill="hold" nodeType="clickEffect">
+                                <p:cTn id="169" presetID="1" presetClass="entr" presetSubtype="0" fill="hold" nodeType="clickEffect">
                                   <p:stCondLst>
                                     <p:cond delay="0"/>
                                   </p:stCondLst>
                                   <p:childTnLst>
                                     <p:set>
                                       <p:cBhvr>
-                                        <p:cTn id="166" dur="1" fill="hold">
+                                        <p:cTn id="170" dur="1" fill="hold">
                                           <p:stCondLst>
                                             <p:cond delay="0"/>
                                           </p:stCondLst>
@@ -9701,14 +9487,14 @@
                                 </p:cTn>
                               </p:par>
                               <p:par>
-                                <p:cTn id="167" presetID="1" presetClass="entr" presetSubtype="0" fill="hold" grpId="0" nodeType="withEffect">
+                                <p:cTn id="171" presetID="1" presetClass="entr" presetSubtype="0" fill="hold" grpId="0" nodeType="withEffect">
                                   <p:stCondLst>
                                     <p:cond delay="0"/>
                                   </p:stCondLst>
                                   <p:childTnLst>
                                     <p:set>
                                       <p:cBhvr>
-                                        <p:cTn id="168" dur="1" fill="hold">
+                                        <p:cTn id="172" dur="1" fill="hold">
                                           <p:stCondLst>
                                             <p:cond delay="0"/>
                                           </p:stCondLst>
@@ -9728,14 +9514,14 @@
                                 </p:cTn>
                               </p:par>
                               <p:par>
-                                <p:cTn id="169" presetID="1" presetClass="entr" presetSubtype="0" fill="hold" grpId="0" nodeType="withEffect">
+                                <p:cTn id="173" presetID="1" presetClass="entr" presetSubtype="0" fill="hold" grpId="0" nodeType="withEffect">
                                   <p:stCondLst>
                                     <p:cond delay="0"/>
                                   </p:stCondLst>
                                   <p:childTnLst>
                                     <p:set>
                                       <p:cBhvr>
-                                        <p:cTn id="170" dur="1" fill="hold">
+                                        <p:cTn id="174" dur="1" fill="hold">
                                           <p:stCondLst>
                                             <p:cond delay="0"/>
                                           </p:stCondLst>
@@ -9761,73 +9547,19 @@
                     </p:cTn>
                   </p:par>
                   <p:par>
-                    <p:cTn id="171" fill="hold">
+                    <p:cTn id="175" fill="hold">
                       <p:stCondLst>
                         <p:cond delay="indefinite"/>
                       </p:stCondLst>
                       <p:childTnLst>
                         <p:par>
-                          <p:cTn id="172" fill="hold">
+                          <p:cTn id="176" fill="hold">
                             <p:stCondLst>
                               <p:cond delay="0"/>
                             </p:stCondLst>
                             <p:childTnLst>
                               <p:par>
-                                <p:cTn id="173" presetID="1" presetClass="entr" presetSubtype="0" fill="hold" nodeType="clickEffect">
-                                  <p:stCondLst>
-                                    <p:cond delay="0"/>
-                                  </p:stCondLst>
-                                  <p:childTnLst>
-                                    <p:set>
-                                      <p:cBhvr>
-                                        <p:cTn id="174" dur="1" fill="hold">
-                                          <p:stCondLst>
-                                            <p:cond delay="0"/>
-                                          </p:stCondLst>
-                                        </p:cTn>
-                                        <p:tgtEl>
-                                          <p:spTgt spid="160"/>
-                                        </p:tgtEl>
-                                        <p:attrNameLst>
-                                          <p:attrName>style.visibility</p:attrName>
-                                        </p:attrNameLst>
-                                      </p:cBhvr>
-                                      <p:to>
-                                        <p:strVal val="visible"/>
-                                      </p:to>
-                                    </p:set>
-                                  </p:childTnLst>
-                                </p:cTn>
-                              </p:par>
-                              <p:par>
-                                <p:cTn id="175" presetID="1" presetClass="entr" presetSubtype="0" fill="hold" grpId="0" nodeType="withEffect">
-                                  <p:stCondLst>
-                                    <p:cond delay="0"/>
-                                  </p:stCondLst>
-                                  <p:childTnLst>
-                                    <p:set>
-                                      <p:cBhvr>
-                                        <p:cTn id="176" dur="1" fill="hold">
-                                          <p:stCondLst>
-                                            <p:cond delay="0"/>
-                                          </p:stCondLst>
-                                        </p:cTn>
-                                        <p:tgtEl>
-                                          <p:spTgt spid="156"/>
-                                        </p:tgtEl>
-                                        <p:attrNameLst>
-                                          <p:attrName>style.visibility</p:attrName>
-                                        </p:attrNameLst>
-                                      </p:cBhvr>
-                                      <p:to>
-                                        <p:strVal val="visible"/>
-                                      </p:to>
-                                    </p:set>
-                                  </p:childTnLst>
-                                </p:cTn>
-                              </p:par>
-                              <p:par>
-                                <p:cTn id="177" presetID="1" presetClass="entr" presetSubtype="0" fill="hold" grpId="0" nodeType="withEffect">
+                                <p:cTn id="177" presetID="1" presetClass="entr" presetSubtype="0" fill="hold" nodeType="clickEffect">
                                   <p:stCondLst>
                                     <p:cond delay="0"/>
                                   </p:stCondLst>
@@ -9840,7 +9572,7 @@
                                           </p:stCondLst>
                                         </p:cTn>
                                         <p:tgtEl>
-                                          <p:spTgt spid="157"/>
+                                          <p:spTgt spid="160"/>
                                         </p:tgtEl>
                                         <p:attrNameLst>
                                           <p:attrName>style.visibility</p:attrName>
@@ -9867,7 +9599,7 @@
                                           </p:stCondLst>
                                         </p:cTn>
                                         <p:tgtEl>
-                                          <p:spTgt spid="161"/>
+                                          <p:spTgt spid="156"/>
                                         </p:tgtEl>
                                         <p:attrNameLst>
                                           <p:attrName>style.visibility</p:attrName>
@@ -9894,6 +9626,60 @@
                                           </p:stCondLst>
                                         </p:cTn>
                                         <p:tgtEl>
+                                          <p:spTgt spid="157"/>
+                                        </p:tgtEl>
+                                        <p:attrNameLst>
+                                          <p:attrName>style.visibility</p:attrName>
+                                        </p:attrNameLst>
+                                      </p:cBhvr>
+                                      <p:to>
+                                        <p:strVal val="visible"/>
+                                      </p:to>
+                                    </p:set>
+                                  </p:childTnLst>
+                                </p:cTn>
+                              </p:par>
+                              <p:par>
+                                <p:cTn id="183" presetID="1" presetClass="entr" presetSubtype="0" fill="hold" grpId="0" nodeType="withEffect">
+                                  <p:stCondLst>
+                                    <p:cond delay="0"/>
+                                  </p:stCondLst>
+                                  <p:childTnLst>
+                                    <p:set>
+                                      <p:cBhvr>
+                                        <p:cTn id="184" dur="1" fill="hold">
+                                          <p:stCondLst>
+                                            <p:cond delay="0"/>
+                                          </p:stCondLst>
+                                        </p:cTn>
+                                        <p:tgtEl>
+                                          <p:spTgt spid="161"/>
+                                        </p:tgtEl>
+                                        <p:attrNameLst>
+                                          <p:attrName>style.visibility</p:attrName>
+                                        </p:attrNameLst>
+                                      </p:cBhvr>
+                                      <p:to>
+                                        <p:strVal val="visible"/>
+                                      </p:to>
+                                    </p:set>
+                                  </p:childTnLst>
+                                </p:cTn>
+                              </p:par>
+                              <p:par>
+                                <p:cTn id="185" presetID="1" presetClass="entr" presetSubtype="0" fill="hold" grpId="0" nodeType="withEffect">
+                                  <p:stCondLst>
+                                    <p:cond delay="0"/>
+                                  </p:stCondLst>
+                                  <p:childTnLst>
+                                    <p:set>
+                                      <p:cBhvr>
+                                        <p:cTn id="186" dur="1" fill="hold">
+                                          <p:stCondLst>
+                                            <p:cond delay="0"/>
+                                          </p:stCondLst>
+                                        </p:cTn>
+                                        <p:tgtEl>
                                           <p:spTgt spid="237"/>
                                         </p:tgtEl>
                                         <p:attrNameLst>
@@ -9914,26 +9700,26 @@
                     </p:cTn>
                   </p:par>
                   <p:par>
-                    <p:cTn id="183" fill="hold">
+                    <p:cTn id="187" fill="hold">
                       <p:stCondLst>
                         <p:cond delay="indefinite"/>
                       </p:stCondLst>
                       <p:childTnLst>
                         <p:par>
-                          <p:cTn id="184" fill="hold">
+                          <p:cTn id="188" fill="hold">
                             <p:stCondLst>
                               <p:cond delay="0"/>
                             </p:stCondLst>
                             <p:childTnLst>
                               <p:par>
-                                <p:cTn id="185" presetID="1" presetClass="entr" presetSubtype="0" fill="hold" grpId="0" nodeType="clickEffect">
+                                <p:cTn id="189" presetID="1" presetClass="entr" presetSubtype="0" fill="hold" grpId="0" nodeType="clickEffect">
                                   <p:stCondLst>
                                     <p:cond delay="0"/>
                                   </p:stCondLst>
                                   <p:childTnLst>
                                     <p:set>
                                       <p:cBhvr>
-                                        <p:cTn id="186" dur="1" fill="hold">
+                                        <p:cTn id="190" dur="1" fill="hold">
                                           <p:stCondLst>
                                             <p:cond delay="0"/>
                                           </p:stCondLst>
@@ -9953,14 +9739,14 @@
                                 </p:cTn>
                               </p:par>
                               <p:par>
-                                <p:cTn id="187" presetID="1" presetClass="entr" presetSubtype="0" fill="hold" grpId="0" nodeType="withEffect">
+                                <p:cTn id="191" presetID="1" presetClass="entr" presetSubtype="0" fill="hold" grpId="0" nodeType="withEffect">
                                   <p:stCondLst>
                                     <p:cond delay="0"/>
                                   </p:stCondLst>
                                   <p:childTnLst>
                                     <p:set>
                                       <p:cBhvr>
-                                        <p:cTn id="188" dur="1" fill="hold">
+                                        <p:cTn id="192" dur="1" fill="hold">
                                           <p:stCondLst>
                                             <p:cond delay="0"/>
                                           </p:stCondLst>
@@ -9980,14 +9766,14 @@
                                 </p:cTn>
                               </p:par>
                               <p:par>
-                                <p:cTn id="189" presetID="1" presetClass="entr" presetSubtype="0" fill="hold" grpId="0" nodeType="withEffect">
+                                <p:cTn id="193" presetID="1" presetClass="entr" presetSubtype="0" fill="hold" grpId="0" nodeType="withEffect">
                                   <p:stCondLst>
                                     <p:cond delay="0"/>
                                   </p:stCondLst>
                                   <p:childTnLst>
                                     <p:set>
                                       <p:cBhvr>
-                                        <p:cTn id="190" dur="1" fill="hold">
+                                        <p:cTn id="194" dur="1" fill="hold">
                                           <p:stCondLst>
                                             <p:cond delay="0"/>
                                           </p:stCondLst>
@@ -10006,33 +9792,15 @@
                                   </p:childTnLst>
                                 </p:cTn>
                               </p:par>
-                            </p:childTnLst>
-                          </p:cTn>
-                        </p:par>
-                      </p:childTnLst>
-                    </p:cTn>
-                  </p:par>
-                  <p:par>
-                    <p:cTn id="191" fill="hold">
-                      <p:stCondLst>
-                        <p:cond delay="indefinite"/>
-                      </p:stCondLst>
-                      <p:childTnLst>
-                        <p:par>
-                          <p:cTn id="192" fill="hold">
-                            <p:stCondLst>
-                              <p:cond delay="0"/>
-                            </p:stCondLst>
-                            <p:childTnLst>
                               <p:par>
-                                <p:cTn id="193" presetID="1" presetClass="entr" presetSubtype="0" fill="hold" nodeType="clickEffect">
+                                <p:cTn id="195" presetID="1" presetClass="entr" presetSubtype="0" fill="hold" nodeType="withEffect">
                                   <p:stCondLst>
                                     <p:cond delay="0"/>
                                   </p:stCondLst>
                                   <p:childTnLst>
                                     <p:set>
                                       <p:cBhvr>
-                                        <p:cTn id="194" dur="1" fill="hold">
+                                        <p:cTn id="196" dur="1" fill="hold">
                                           <p:stCondLst>
                                             <p:cond delay="0"/>
                                           </p:stCondLst>
@@ -10052,14 +9820,14 @@
                                 </p:cTn>
                               </p:par>
                               <p:par>
-                                <p:cTn id="195" presetID="1" presetClass="entr" presetSubtype="0" fill="hold" grpId="0" nodeType="withEffect">
+                                <p:cTn id="197" presetID="1" presetClass="entr" presetSubtype="0" fill="hold" grpId="0" nodeType="withEffect">
                                   <p:stCondLst>
                                     <p:cond delay="0"/>
                                   </p:stCondLst>
                                   <p:childTnLst>
                                     <p:set>
                                       <p:cBhvr>
-                                        <p:cTn id="196" dur="1" fill="hold">
+                                        <p:cTn id="198" dur="1" fill="hold">
                                           <p:stCondLst>
                                             <p:cond delay="0"/>
                                           </p:stCondLst>
@@ -10085,26 +9853,26 @@
                     </p:cTn>
                   </p:par>
                   <p:par>
-                    <p:cTn id="197" fill="hold">
+                    <p:cTn id="199" fill="hold">
                       <p:stCondLst>
                         <p:cond delay="indefinite"/>
                       </p:stCondLst>
                       <p:childTnLst>
                         <p:par>
-                          <p:cTn id="198" fill="hold">
+                          <p:cTn id="200" fill="hold">
                             <p:stCondLst>
                               <p:cond delay="0"/>
                             </p:stCondLst>
                             <p:childTnLst>
                               <p:par>
-                                <p:cTn id="199" presetID="1" presetClass="entr" presetSubtype="0" fill="hold" grpId="0" nodeType="clickEffect">
+                                <p:cTn id="201" presetID="1" presetClass="entr" presetSubtype="0" fill="hold" grpId="0" nodeType="clickEffect">
                                   <p:stCondLst>
                                     <p:cond delay="0"/>
                                   </p:stCondLst>
                                   <p:childTnLst>
                                     <p:set>
                                       <p:cBhvr>
-                                        <p:cTn id="200" dur="1" fill="hold">
+                                        <p:cTn id="202" dur="1" fill="hold">
                                           <p:stCondLst>
                                             <p:cond delay="0"/>
                                           </p:stCondLst>
@@ -10130,26 +9898,26 @@
                     </p:cTn>
                   </p:par>
                   <p:par>
-                    <p:cTn id="201" fill="hold">
+                    <p:cTn id="203" fill="hold">
                       <p:stCondLst>
                         <p:cond delay="indefinite"/>
                       </p:stCondLst>
                       <p:childTnLst>
                         <p:par>
-                          <p:cTn id="202" fill="hold">
+                          <p:cTn id="204" fill="hold">
                             <p:stCondLst>
                               <p:cond delay="0"/>
                             </p:stCondLst>
                             <p:childTnLst>
                               <p:par>
-                                <p:cTn id="203" presetID="1" presetClass="entr" presetSubtype="0" fill="hold" grpId="0" nodeType="clickEffect">
+                                <p:cTn id="205" presetID="1" presetClass="entr" presetSubtype="0" fill="hold" grpId="0" nodeType="clickEffect">
                                   <p:stCondLst>
                                     <p:cond delay="0"/>
                                   </p:stCondLst>
                                   <p:childTnLst>
                                     <p:set>
                                       <p:cBhvr>
-                                        <p:cTn id="204" dur="1" fill="hold">
+                                        <p:cTn id="206" dur="1" fill="hold">
                                           <p:stCondLst>
                                             <p:cond delay="0"/>
                                           </p:stCondLst>
@@ -10245,8 +10013,11 @@
       <p:bldP spid="242" grpId="0"/>
       <p:bldP spid="243" grpId="0" animBg="1"/>
       <p:bldP spid="253" grpId="0"/>
-      <p:bldP spid="257" grpId="0"/>
       <p:bldP spid="267" grpId="0" animBg="1"/>
+      <p:bldP spid="81" grpId="0"/>
+      <p:bldP spid="75" grpId="0"/>
+      <p:bldP spid="76" grpId="0"/>
+      <p:bldP spid="79" grpId="0"/>
     </p:bldLst>
   </p:timing>
 </p:sld>
